--- a/Project3_Entrepreneurial competency .pptx
+++ b/Project3_Entrepreneurial competency .pptx
@@ -5,18 +5,17 @@
     <p:sldMasterId id="2147483677" r:id="rId1"/>
   </p:sldMasterIdLst>
   <p:notesMasterIdLst>
-    <p:notesMasterId r:id="rId11"/>
+    <p:notesMasterId r:id="rId10"/>
   </p:notesMasterIdLst>
   <p:sldIdLst>
     <p:sldId id="256" r:id="rId2"/>
     <p:sldId id="268" r:id="rId3"/>
-    <p:sldId id="269" r:id="rId4"/>
-    <p:sldId id="266" r:id="rId5"/>
-    <p:sldId id="267" r:id="rId6"/>
-    <p:sldId id="270" r:id="rId7"/>
-    <p:sldId id="271" r:id="rId8"/>
-    <p:sldId id="263" r:id="rId9"/>
-    <p:sldId id="262" r:id="rId10"/>
+    <p:sldId id="266" r:id="rId4"/>
+    <p:sldId id="267" r:id="rId5"/>
+    <p:sldId id="270" r:id="rId6"/>
+    <p:sldId id="271" r:id="rId7"/>
+    <p:sldId id="263" r:id="rId8"/>
+    <p:sldId id="262" r:id="rId9"/>
   </p:sldIdLst>
   <p:sldSz cx="12192000" cy="6858000"/>
   <p:notesSz cx="6858000" cy="9144000"/>
@@ -123,895 +122,6 @@
 </p:presentation>
 </file>
 
-<file path=ppt/charts/chart1.xml><?xml version="1.0" encoding="utf-8"?>
-<c:chartSpace xmlns:c="http://schemas.openxmlformats.org/drawingml/2006/chart" xmlns:a="http://schemas.openxmlformats.org/drawingml/2006/main" xmlns:r="http://schemas.openxmlformats.org/officeDocument/2006/relationships" xmlns:c16r2="http://schemas.microsoft.com/office/drawing/2015/06/chart">
-  <c:date1904 val="0"/>
-  <c:lang val="en-GB"/>
-  <c:roundedCorners val="0"/>
-  <mc:AlternateContent xmlns:mc="http://schemas.openxmlformats.org/markup-compatibility/2006">
-    <mc:Choice xmlns:c14="http://schemas.microsoft.com/office/drawing/2007/8/2/chart" Requires="c14">
-      <c14:style val="102"/>
-    </mc:Choice>
-    <mc:Fallback>
-      <c:style val="2"/>
-    </mc:Fallback>
-  </mc:AlternateContent>
-  <c:chart>
-    <c:title>
-      <c:tx>
-        <c:rich>
-          <a:bodyPr rot="0" spcFirstLastPara="1" vertOverflow="ellipsis" vert="horz" wrap="square" anchor="ctr" anchorCtr="1"/>
-          <a:lstStyle/>
-          <a:p>
-            <a:pPr>
-              <a:defRPr sz="1400" b="0" i="0" u="none" strike="noStrike" kern="1200" spc="0" baseline="0">
-                <a:solidFill>
-                  <a:schemeClr val="tx1">
-                    <a:lumMod val="65000"/>
-                    <a:lumOff val="35000"/>
-                  </a:schemeClr>
-                </a:solidFill>
-                <a:latin typeface="+mn-lt"/>
-                <a:ea typeface="+mn-ea"/>
-                <a:cs typeface="+mn-cs"/>
-              </a:defRPr>
-            </a:pPr>
-            <a:r>
-              <a:rPr lang="en-US"/>
-              <a:t>Indicator Technology</a:t>
-            </a:r>
-          </a:p>
-        </c:rich>
-      </c:tx>
-      <c:overlay val="0"/>
-      <c:spPr>
-        <a:noFill/>
-        <a:ln>
-          <a:noFill/>
-        </a:ln>
-        <a:effectLst/>
-      </c:spPr>
-      <c:txPr>
-        <a:bodyPr rot="0" spcFirstLastPara="1" vertOverflow="ellipsis" vert="horz" wrap="square" anchor="ctr" anchorCtr="1"/>
-        <a:lstStyle/>
-        <a:p>
-          <a:pPr>
-            <a:defRPr sz="1400" b="0" i="0" u="none" strike="noStrike" kern="1200" spc="0" baseline="0">
-              <a:solidFill>
-                <a:schemeClr val="tx1">
-                  <a:lumMod val="65000"/>
-                  <a:lumOff val="35000"/>
-                </a:schemeClr>
-              </a:solidFill>
-              <a:latin typeface="+mn-lt"/>
-              <a:ea typeface="+mn-ea"/>
-              <a:cs typeface="+mn-cs"/>
-            </a:defRPr>
-          </a:pPr>
-          <a:endParaRPr lang="en-PT"/>
-        </a:p>
-      </c:txPr>
-    </c:title>
-    <c:autoTitleDeleted val="0"/>
-    <c:plotArea>
-      <c:layout/>
-      <c:barChart>
-        <c:barDir val="col"/>
-        <c:grouping val="clustered"/>
-        <c:varyColors val="0"/>
-        <c:ser>
-          <c:idx val="0"/>
-          <c:order val="0"/>
-          <c:tx>
-            <c:strRef>
-              <c:f>Sheet1!$A$1</c:f>
-              <c:strCache>
-                <c:ptCount val="1"/>
-                <c:pt idx="0">
-                  <c:v>Country_id</c:v>
-                </c:pt>
-              </c:strCache>
-            </c:strRef>
-          </c:tx>
-          <c:spPr>
-            <a:solidFill>
-              <a:schemeClr val="accent1"/>
-            </a:solidFill>
-            <a:ln>
-              <a:noFill/>
-            </a:ln>
-            <a:effectLst/>
-          </c:spPr>
-          <c:invertIfNegative val="0"/>
-          <c:cat>
-            <c:strRef>
-              <c:f>Sheet1!$A$2:$A$11</c:f>
-              <c:strCache>
-                <c:ptCount val="10"/>
-                <c:pt idx="0">
-                  <c:v>DEU</c:v>
-                </c:pt>
-                <c:pt idx="1">
-                  <c:v>ESP</c:v>
-                </c:pt>
-                <c:pt idx="2">
-                  <c:v>FRA</c:v>
-                </c:pt>
-                <c:pt idx="3">
-                  <c:v>HRV</c:v>
-                </c:pt>
-                <c:pt idx="4">
-                  <c:v>ISR</c:v>
-                </c:pt>
-                <c:pt idx="5">
-                  <c:v>ITA</c:v>
-                </c:pt>
-                <c:pt idx="6">
-                  <c:v>JPN</c:v>
-                </c:pt>
-                <c:pt idx="7">
-                  <c:v>PRT</c:v>
-                </c:pt>
-                <c:pt idx="8">
-                  <c:v>SWE</c:v>
-                </c:pt>
-                <c:pt idx="9">
-                  <c:v>USA</c:v>
-                </c:pt>
-              </c:strCache>
-            </c:strRef>
-          </c:cat>
-          <c:val>
-            <c:numRef>
-              <c:f>Sheet1!$B$2:$B$11</c:f>
-              <c:numCache>
-                <c:formatCode>General</c:formatCode>
-                <c:ptCount val="10"/>
-                <c:pt idx="0">
-                  <c:v>2.3909637874739298</c:v>
-                </c:pt>
-                <c:pt idx="1">
-                  <c:v>0.55345663306559401</c:v>
-                </c:pt>
-                <c:pt idx="2">
-                  <c:v>1.27617935811198</c:v>
-                </c:pt>
-                <c:pt idx="3">
-                  <c:v>0.246378966375639</c:v>
-                </c:pt>
-                <c:pt idx="4">
-                  <c:v>3.1682612005749702</c:v>
-                </c:pt>
-                <c:pt idx="5">
-                  <c:v>0.69700345488787796</c:v>
-                </c:pt>
-                <c:pt idx="6">
-                  <c:v>3.0188650943849198</c:v>
-                </c:pt>
-                <c:pt idx="7">
-                  <c:v>1.3987493052264299</c:v>
-                </c:pt>
-                <c:pt idx="8">
-                  <c:v>2.3272575047134398</c:v>
-                </c:pt>
-                <c:pt idx="9">
-                  <c:v>3.6183629370173702</c:v>
-                </c:pt>
-              </c:numCache>
-            </c:numRef>
-          </c:val>
-          <c:extLst>
-            <c:ext xmlns:c16="http://schemas.microsoft.com/office/drawing/2014/chart" uri="{C3380CC4-5D6E-409C-BE32-E72D297353CC}">
-              <c16:uniqueId val="{00000000-B390-FA4A-9B07-7C5C5E367647}"/>
-            </c:ext>
-          </c:extLst>
-        </c:ser>
-        <c:dLbls>
-          <c:showLegendKey val="0"/>
-          <c:showVal val="0"/>
-          <c:showCatName val="0"/>
-          <c:showSerName val="0"/>
-          <c:showPercent val="0"/>
-          <c:showBubbleSize val="0"/>
-        </c:dLbls>
-        <c:gapWidth val="219"/>
-        <c:overlap val="-27"/>
-        <c:axId val="606245904"/>
-        <c:axId val="606247792"/>
-      </c:barChart>
-      <c:catAx>
-        <c:axId val="606245904"/>
-        <c:scaling>
-          <c:orientation val="minMax"/>
-        </c:scaling>
-        <c:delete val="0"/>
-        <c:axPos val="b"/>
-        <c:numFmt formatCode="General" sourceLinked="1"/>
-        <c:majorTickMark val="none"/>
-        <c:minorTickMark val="none"/>
-        <c:tickLblPos val="nextTo"/>
-        <c:spPr>
-          <a:noFill/>
-          <a:ln w="9525" cap="flat" cmpd="sng" algn="ctr">
-            <a:solidFill>
-              <a:schemeClr val="tx1">
-                <a:lumMod val="15000"/>
-                <a:lumOff val="85000"/>
-              </a:schemeClr>
-            </a:solidFill>
-            <a:round/>
-          </a:ln>
-          <a:effectLst/>
-        </c:spPr>
-        <c:txPr>
-          <a:bodyPr rot="-60000000" spcFirstLastPara="1" vertOverflow="ellipsis" vert="horz" wrap="square" anchor="ctr" anchorCtr="1"/>
-          <a:lstStyle/>
-          <a:p>
-            <a:pPr>
-              <a:defRPr sz="900" b="0" i="0" u="none" strike="noStrike" kern="1200" baseline="0">
-                <a:solidFill>
-                  <a:schemeClr val="tx1">
-                    <a:lumMod val="65000"/>
-                    <a:lumOff val="35000"/>
-                  </a:schemeClr>
-                </a:solidFill>
-                <a:latin typeface="+mn-lt"/>
-                <a:ea typeface="+mn-ea"/>
-                <a:cs typeface="+mn-cs"/>
-              </a:defRPr>
-            </a:pPr>
-            <a:endParaRPr lang="en-PT"/>
-          </a:p>
-        </c:txPr>
-        <c:crossAx val="606247792"/>
-        <c:crosses val="autoZero"/>
-        <c:auto val="1"/>
-        <c:lblAlgn val="ctr"/>
-        <c:lblOffset val="100"/>
-        <c:noMultiLvlLbl val="0"/>
-      </c:catAx>
-      <c:valAx>
-        <c:axId val="606247792"/>
-        <c:scaling>
-          <c:orientation val="minMax"/>
-          <c:max val="5"/>
-        </c:scaling>
-        <c:delete val="0"/>
-        <c:axPos val="l"/>
-        <c:majorGridlines>
-          <c:spPr>
-            <a:ln w="9525" cap="flat" cmpd="sng" algn="ctr">
-              <a:solidFill>
-                <a:schemeClr val="tx1">
-                  <a:lumMod val="15000"/>
-                  <a:lumOff val="85000"/>
-                </a:schemeClr>
-              </a:solidFill>
-              <a:round/>
-            </a:ln>
-            <a:effectLst/>
-          </c:spPr>
-        </c:majorGridlines>
-        <c:numFmt formatCode="General" sourceLinked="1"/>
-        <c:majorTickMark val="none"/>
-        <c:minorTickMark val="none"/>
-        <c:tickLblPos val="nextTo"/>
-        <c:spPr>
-          <a:noFill/>
-          <a:ln>
-            <a:noFill/>
-          </a:ln>
-          <a:effectLst/>
-        </c:spPr>
-        <c:txPr>
-          <a:bodyPr rot="-60000000" spcFirstLastPara="1" vertOverflow="ellipsis" vert="horz" wrap="square" anchor="ctr" anchorCtr="1"/>
-          <a:lstStyle/>
-          <a:p>
-            <a:pPr>
-              <a:defRPr sz="900" b="0" i="0" u="none" strike="noStrike" kern="1200" baseline="0">
-                <a:solidFill>
-                  <a:schemeClr val="tx1">
-                    <a:lumMod val="65000"/>
-                    <a:lumOff val="35000"/>
-                  </a:schemeClr>
-                </a:solidFill>
-                <a:latin typeface="+mn-lt"/>
-                <a:ea typeface="+mn-ea"/>
-                <a:cs typeface="+mn-cs"/>
-              </a:defRPr>
-            </a:pPr>
-            <a:endParaRPr lang="en-PT"/>
-          </a:p>
-        </c:txPr>
-        <c:crossAx val="606245904"/>
-        <c:crosses val="autoZero"/>
-        <c:crossBetween val="between"/>
-      </c:valAx>
-      <c:spPr>
-        <a:noFill/>
-        <a:ln>
-          <a:noFill/>
-        </a:ln>
-        <a:effectLst/>
-      </c:spPr>
-    </c:plotArea>
-    <c:plotVisOnly val="1"/>
-    <c:dispBlanksAs val="gap"/>
-    <c:extLst>
-      <c:ext xmlns:c16r3="http://schemas.microsoft.com/office/drawing/2017/03/chart" uri="{56B9EC1D-385E-4148-901F-78D8002777C0}">
-        <c16r3:dataDisplayOptions16>
-          <c16r3:dispNaAsBlank val="1"/>
-        </c16r3:dataDisplayOptions16>
-      </c:ext>
-    </c:extLst>
-    <c:showDLblsOverMax val="0"/>
-  </c:chart>
-  <c:spPr>
-    <a:noFill/>
-    <a:ln>
-      <a:noFill/>
-    </a:ln>
-    <a:effectLst/>
-  </c:spPr>
-  <c:txPr>
-    <a:bodyPr/>
-    <a:lstStyle/>
-    <a:p>
-      <a:pPr>
-        <a:defRPr/>
-      </a:pPr>
-      <a:endParaRPr lang="en-PT"/>
-    </a:p>
-  </c:txPr>
-  <c:externalData r:id="rId3">
-    <c:autoUpdate val="0"/>
-  </c:externalData>
-</c:chartSpace>
-</file>
-
-<file path=ppt/charts/colors1.xml><?xml version="1.0" encoding="utf-8"?>
-<cs:colorStyle xmlns:cs="http://schemas.microsoft.com/office/drawing/2012/chartStyle" xmlns:a="http://schemas.openxmlformats.org/drawingml/2006/main" meth="cycle" id="10">
-  <a:schemeClr val="accent1"/>
-  <a:schemeClr val="accent2"/>
-  <a:schemeClr val="accent3"/>
-  <a:schemeClr val="accent4"/>
-  <a:schemeClr val="accent5"/>
-  <a:schemeClr val="accent6"/>
-  <cs:variation/>
-  <cs:variation>
-    <a:lumMod val="60000"/>
-  </cs:variation>
-  <cs:variation>
-    <a:lumMod val="80000"/>
-    <a:lumOff val="20000"/>
-  </cs:variation>
-  <cs:variation>
-    <a:lumMod val="80000"/>
-  </cs:variation>
-  <cs:variation>
-    <a:lumMod val="60000"/>
-    <a:lumOff val="40000"/>
-  </cs:variation>
-  <cs:variation>
-    <a:lumMod val="50000"/>
-  </cs:variation>
-  <cs:variation>
-    <a:lumMod val="70000"/>
-    <a:lumOff val="30000"/>
-  </cs:variation>
-  <cs:variation>
-    <a:lumMod val="70000"/>
-  </cs:variation>
-  <cs:variation>
-    <a:lumMod val="50000"/>
-    <a:lumOff val="50000"/>
-  </cs:variation>
-</cs:colorStyle>
-</file>
-
-<file path=ppt/charts/style1.xml><?xml version="1.0" encoding="utf-8"?>
-<cs:chartStyle xmlns:cs="http://schemas.microsoft.com/office/drawing/2012/chartStyle" xmlns:a="http://schemas.openxmlformats.org/drawingml/2006/main" id="201">
-  <cs:axisTitle>
-    <cs:lnRef idx="0"/>
-    <cs:fillRef idx="0"/>
-    <cs:effectRef idx="0"/>
-    <cs:fontRef idx="minor">
-      <a:schemeClr val="tx1">
-        <a:lumMod val="65000"/>
-        <a:lumOff val="35000"/>
-      </a:schemeClr>
-    </cs:fontRef>
-    <cs:defRPr sz="1000" kern="1200"/>
-  </cs:axisTitle>
-  <cs:categoryAxis>
-    <cs:lnRef idx="0"/>
-    <cs:fillRef idx="0"/>
-    <cs:effectRef idx="0"/>
-    <cs:fontRef idx="minor">
-      <a:schemeClr val="tx1">
-        <a:lumMod val="65000"/>
-        <a:lumOff val="35000"/>
-      </a:schemeClr>
-    </cs:fontRef>
-    <cs:spPr>
-      <a:ln w="9525" cap="flat" cmpd="sng" algn="ctr">
-        <a:solidFill>
-          <a:schemeClr val="tx1">
-            <a:lumMod val="15000"/>
-            <a:lumOff val="85000"/>
-          </a:schemeClr>
-        </a:solidFill>
-        <a:round/>
-      </a:ln>
-    </cs:spPr>
-    <cs:defRPr sz="900" kern="1200"/>
-  </cs:categoryAxis>
-  <cs:chartArea mods="allowNoFillOverride allowNoLineOverride">
-    <cs:lnRef idx="0"/>
-    <cs:fillRef idx="0"/>
-    <cs:effectRef idx="0"/>
-    <cs:fontRef idx="minor">
-      <a:schemeClr val="tx1"/>
-    </cs:fontRef>
-    <cs:spPr>
-      <a:solidFill>
-        <a:schemeClr val="bg1"/>
-      </a:solidFill>
-      <a:ln w="9525" cap="flat" cmpd="sng" algn="ctr">
-        <a:solidFill>
-          <a:schemeClr val="tx1">
-            <a:lumMod val="15000"/>
-            <a:lumOff val="85000"/>
-          </a:schemeClr>
-        </a:solidFill>
-        <a:round/>
-      </a:ln>
-    </cs:spPr>
-    <cs:defRPr sz="1000" kern="1200"/>
-  </cs:chartArea>
-  <cs:dataLabel>
-    <cs:lnRef idx="0"/>
-    <cs:fillRef idx="0"/>
-    <cs:effectRef idx="0"/>
-    <cs:fontRef idx="minor">
-      <a:schemeClr val="tx1">
-        <a:lumMod val="75000"/>
-        <a:lumOff val="25000"/>
-      </a:schemeClr>
-    </cs:fontRef>
-    <cs:defRPr sz="900" kern="1200"/>
-  </cs:dataLabel>
-  <cs:dataLabelCallout>
-    <cs:lnRef idx="0"/>
-    <cs:fillRef idx="0"/>
-    <cs:effectRef idx="0"/>
-    <cs:fontRef idx="minor">
-      <a:schemeClr val="dk1">
-        <a:lumMod val="65000"/>
-        <a:lumOff val="35000"/>
-      </a:schemeClr>
-    </cs:fontRef>
-    <cs:spPr>
-      <a:solidFill>
-        <a:schemeClr val="lt1"/>
-      </a:solidFill>
-      <a:ln>
-        <a:solidFill>
-          <a:schemeClr val="dk1">
-            <a:lumMod val="25000"/>
-            <a:lumOff val="75000"/>
-          </a:schemeClr>
-        </a:solidFill>
-      </a:ln>
-    </cs:spPr>
-    <cs:defRPr sz="900" kern="1200"/>
-    <cs:bodyPr rot="0" spcFirstLastPara="1" vertOverflow="clip" horzOverflow="clip" vert="horz" wrap="square" lIns="36576" tIns="18288" rIns="36576" bIns="18288" anchor="ctr" anchorCtr="1">
-      <a:spAutoFit/>
-    </cs:bodyPr>
-  </cs:dataLabelCallout>
-  <cs:dataPoint>
-    <cs:lnRef idx="0"/>
-    <cs:fillRef idx="1">
-      <cs:styleClr val="auto"/>
-    </cs:fillRef>
-    <cs:effectRef idx="0"/>
-    <cs:fontRef idx="minor">
-      <a:schemeClr val="tx1"/>
-    </cs:fontRef>
-  </cs:dataPoint>
-  <cs:dataPoint3D>
-    <cs:lnRef idx="0"/>
-    <cs:fillRef idx="1">
-      <cs:styleClr val="auto"/>
-    </cs:fillRef>
-    <cs:effectRef idx="0"/>
-    <cs:fontRef idx="minor">
-      <a:schemeClr val="tx1"/>
-    </cs:fontRef>
-  </cs:dataPoint3D>
-  <cs:dataPointLine>
-    <cs:lnRef idx="0">
-      <cs:styleClr val="auto"/>
-    </cs:lnRef>
-    <cs:fillRef idx="1"/>
-    <cs:effectRef idx="0"/>
-    <cs:fontRef idx="minor">
-      <a:schemeClr val="tx1"/>
-    </cs:fontRef>
-    <cs:spPr>
-      <a:ln w="28575" cap="rnd">
-        <a:solidFill>
-          <a:schemeClr val="phClr"/>
-        </a:solidFill>
-        <a:round/>
-      </a:ln>
-    </cs:spPr>
-  </cs:dataPointLine>
-  <cs:dataPointMarker>
-    <cs:lnRef idx="0">
-      <cs:styleClr val="auto"/>
-    </cs:lnRef>
-    <cs:fillRef idx="1">
-      <cs:styleClr val="auto"/>
-    </cs:fillRef>
-    <cs:effectRef idx="0"/>
-    <cs:fontRef idx="minor">
-      <a:schemeClr val="tx1"/>
-    </cs:fontRef>
-    <cs:spPr>
-      <a:ln w="9525">
-        <a:solidFill>
-          <a:schemeClr val="phClr"/>
-        </a:solidFill>
-      </a:ln>
-    </cs:spPr>
-  </cs:dataPointMarker>
-  <cs:dataPointMarkerLayout symbol="circle" size="5"/>
-  <cs:dataPointWireframe>
-    <cs:lnRef idx="0">
-      <cs:styleClr val="auto"/>
-    </cs:lnRef>
-    <cs:fillRef idx="1"/>
-    <cs:effectRef idx="0"/>
-    <cs:fontRef idx="minor">
-      <a:schemeClr val="tx1"/>
-    </cs:fontRef>
-    <cs:spPr>
-      <a:ln w="9525" cap="rnd">
-        <a:solidFill>
-          <a:schemeClr val="phClr"/>
-        </a:solidFill>
-        <a:round/>
-      </a:ln>
-    </cs:spPr>
-  </cs:dataPointWireframe>
-  <cs:dataTable>
-    <cs:lnRef idx="0"/>
-    <cs:fillRef idx="0"/>
-    <cs:effectRef idx="0"/>
-    <cs:fontRef idx="minor">
-      <a:schemeClr val="tx1">
-        <a:lumMod val="65000"/>
-        <a:lumOff val="35000"/>
-      </a:schemeClr>
-    </cs:fontRef>
-    <cs:spPr>
-      <a:noFill/>
-      <a:ln w="9525" cap="flat" cmpd="sng" algn="ctr">
-        <a:solidFill>
-          <a:schemeClr val="tx1">
-            <a:lumMod val="15000"/>
-            <a:lumOff val="85000"/>
-          </a:schemeClr>
-        </a:solidFill>
-        <a:round/>
-      </a:ln>
-    </cs:spPr>
-    <cs:defRPr sz="900" kern="1200"/>
-  </cs:dataTable>
-  <cs:downBar>
-    <cs:lnRef idx="0"/>
-    <cs:fillRef idx="0"/>
-    <cs:effectRef idx="0"/>
-    <cs:fontRef idx="minor">
-      <a:schemeClr val="dk1"/>
-    </cs:fontRef>
-    <cs:spPr>
-      <a:solidFill>
-        <a:schemeClr val="dk1">
-          <a:lumMod val="65000"/>
-          <a:lumOff val="35000"/>
-        </a:schemeClr>
-      </a:solidFill>
-      <a:ln w="9525">
-        <a:solidFill>
-          <a:schemeClr val="tx1">
-            <a:lumMod val="65000"/>
-            <a:lumOff val="35000"/>
-          </a:schemeClr>
-        </a:solidFill>
-      </a:ln>
-    </cs:spPr>
-  </cs:downBar>
-  <cs:dropLine>
-    <cs:lnRef idx="0"/>
-    <cs:fillRef idx="0"/>
-    <cs:effectRef idx="0"/>
-    <cs:fontRef idx="minor">
-      <a:schemeClr val="tx1"/>
-    </cs:fontRef>
-    <cs:spPr>
-      <a:ln w="9525" cap="flat" cmpd="sng" algn="ctr">
-        <a:solidFill>
-          <a:schemeClr val="tx1">
-            <a:lumMod val="35000"/>
-            <a:lumOff val="65000"/>
-          </a:schemeClr>
-        </a:solidFill>
-        <a:round/>
-      </a:ln>
-    </cs:spPr>
-  </cs:dropLine>
-  <cs:errorBar>
-    <cs:lnRef idx="0"/>
-    <cs:fillRef idx="0"/>
-    <cs:effectRef idx="0"/>
-    <cs:fontRef idx="minor">
-      <a:schemeClr val="tx1"/>
-    </cs:fontRef>
-    <cs:spPr>
-      <a:ln w="9525" cap="flat" cmpd="sng" algn="ctr">
-        <a:solidFill>
-          <a:schemeClr val="tx1">
-            <a:lumMod val="65000"/>
-            <a:lumOff val="35000"/>
-          </a:schemeClr>
-        </a:solidFill>
-        <a:round/>
-      </a:ln>
-    </cs:spPr>
-  </cs:errorBar>
-  <cs:floor>
-    <cs:lnRef idx="0"/>
-    <cs:fillRef idx="0"/>
-    <cs:effectRef idx="0"/>
-    <cs:fontRef idx="minor">
-      <a:schemeClr val="tx1"/>
-    </cs:fontRef>
-    <cs:spPr>
-      <a:noFill/>
-      <a:ln>
-        <a:noFill/>
-      </a:ln>
-    </cs:spPr>
-  </cs:floor>
-  <cs:gridlineMajor>
-    <cs:lnRef idx="0"/>
-    <cs:fillRef idx="0"/>
-    <cs:effectRef idx="0"/>
-    <cs:fontRef idx="minor">
-      <a:schemeClr val="tx1"/>
-    </cs:fontRef>
-    <cs:spPr>
-      <a:ln w="9525" cap="flat" cmpd="sng" algn="ctr">
-        <a:solidFill>
-          <a:schemeClr val="tx1">
-            <a:lumMod val="15000"/>
-            <a:lumOff val="85000"/>
-          </a:schemeClr>
-        </a:solidFill>
-        <a:round/>
-      </a:ln>
-    </cs:spPr>
-  </cs:gridlineMajor>
-  <cs:gridlineMinor>
-    <cs:lnRef idx="0"/>
-    <cs:fillRef idx="0"/>
-    <cs:effectRef idx="0"/>
-    <cs:fontRef idx="minor">
-      <a:schemeClr val="tx1"/>
-    </cs:fontRef>
-    <cs:spPr>
-      <a:ln w="9525" cap="flat" cmpd="sng" algn="ctr">
-        <a:solidFill>
-          <a:schemeClr val="tx1">
-            <a:lumMod val="5000"/>
-            <a:lumOff val="95000"/>
-          </a:schemeClr>
-        </a:solidFill>
-        <a:round/>
-      </a:ln>
-    </cs:spPr>
-  </cs:gridlineMinor>
-  <cs:hiLoLine>
-    <cs:lnRef idx="0"/>
-    <cs:fillRef idx="0"/>
-    <cs:effectRef idx="0"/>
-    <cs:fontRef idx="minor">
-      <a:schemeClr val="tx1"/>
-    </cs:fontRef>
-    <cs:spPr>
-      <a:ln w="9525" cap="flat" cmpd="sng" algn="ctr">
-        <a:solidFill>
-          <a:schemeClr val="tx1">
-            <a:lumMod val="75000"/>
-            <a:lumOff val="25000"/>
-          </a:schemeClr>
-        </a:solidFill>
-        <a:round/>
-      </a:ln>
-    </cs:spPr>
-  </cs:hiLoLine>
-  <cs:leaderLine>
-    <cs:lnRef idx="0"/>
-    <cs:fillRef idx="0"/>
-    <cs:effectRef idx="0"/>
-    <cs:fontRef idx="minor">
-      <a:schemeClr val="tx1"/>
-    </cs:fontRef>
-    <cs:spPr>
-      <a:ln w="9525" cap="flat" cmpd="sng" algn="ctr">
-        <a:solidFill>
-          <a:schemeClr val="tx1">
-            <a:lumMod val="35000"/>
-            <a:lumOff val="65000"/>
-          </a:schemeClr>
-        </a:solidFill>
-        <a:round/>
-      </a:ln>
-    </cs:spPr>
-  </cs:leaderLine>
-  <cs:legend>
-    <cs:lnRef idx="0"/>
-    <cs:fillRef idx="0"/>
-    <cs:effectRef idx="0"/>
-    <cs:fontRef idx="minor">
-      <a:schemeClr val="tx1">
-        <a:lumMod val="65000"/>
-        <a:lumOff val="35000"/>
-      </a:schemeClr>
-    </cs:fontRef>
-    <cs:defRPr sz="900" kern="1200"/>
-  </cs:legend>
-  <cs:plotArea mods="allowNoFillOverride allowNoLineOverride">
-    <cs:lnRef idx="0"/>
-    <cs:fillRef idx="0"/>
-    <cs:effectRef idx="0"/>
-    <cs:fontRef idx="minor">
-      <a:schemeClr val="tx1"/>
-    </cs:fontRef>
-  </cs:plotArea>
-  <cs:plotArea3D mods="allowNoFillOverride allowNoLineOverride">
-    <cs:lnRef idx="0"/>
-    <cs:fillRef idx="0"/>
-    <cs:effectRef idx="0"/>
-    <cs:fontRef idx="minor">
-      <a:schemeClr val="tx1"/>
-    </cs:fontRef>
-  </cs:plotArea3D>
-  <cs:seriesAxis>
-    <cs:lnRef idx="0"/>
-    <cs:fillRef idx="0"/>
-    <cs:effectRef idx="0"/>
-    <cs:fontRef idx="minor">
-      <a:schemeClr val="tx1">
-        <a:lumMod val="65000"/>
-        <a:lumOff val="35000"/>
-      </a:schemeClr>
-    </cs:fontRef>
-    <cs:defRPr sz="900" kern="1200"/>
-  </cs:seriesAxis>
-  <cs:seriesLine>
-    <cs:lnRef idx="0"/>
-    <cs:fillRef idx="0"/>
-    <cs:effectRef idx="0"/>
-    <cs:fontRef idx="minor">
-      <a:schemeClr val="tx1"/>
-    </cs:fontRef>
-    <cs:spPr>
-      <a:ln w="9525" cap="flat" cmpd="sng" algn="ctr">
-        <a:solidFill>
-          <a:schemeClr val="tx1">
-            <a:lumMod val="35000"/>
-            <a:lumOff val="65000"/>
-          </a:schemeClr>
-        </a:solidFill>
-        <a:round/>
-      </a:ln>
-    </cs:spPr>
-  </cs:seriesLine>
-  <cs:title>
-    <cs:lnRef idx="0"/>
-    <cs:fillRef idx="0"/>
-    <cs:effectRef idx="0"/>
-    <cs:fontRef idx="minor">
-      <a:schemeClr val="tx1">
-        <a:lumMod val="65000"/>
-        <a:lumOff val="35000"/>
-      </a:schemeClr>
-    </cs:fontRef>
-    <cs:defRPr sz="1400" b="0" kern="1200" spc="0" baseline="0"/>
-  </cs:title>
-  <cs:trendline>
-    <cs:lnRef idx="0">
-      <cs:styleClr val="auto"/>
-    </cs:lnRef>
-    <cs:fillRef idx="0"/>
-    <cs:effectRef idx="0"/>
-    <cs:fontRef idx="minor">
-      <a:schemeClr val="tx1"/>
-    </cs:fontRef>
-    <cs:spPr>
-      <a:ln w="19050" cap="rnd">
-        <a:solidFill>
-          <a:schemeClr val="phClr"/>
-        </a:solidFill>
-        <a:prstDash val="sysDot"/>
-      </a:ln>
-    </cs:spPr>
-  </cs:trendline>
-  <cs:trendlineLabel>
-    <cs:lnRef idx="0"/>
-    <cs:fillRef idx="0"/>
-    <cs:effectRef idx="0"/>
-    <cs:fontRef idx="minor">
-      <a:schemeClr val="tx1">
-        <a:lumMod val="65000"/>
-        <a:lumOff val="35000"/>
-      </a:schemeClr>
-    </cs:fontRef>
-    <cs:defRPr sz="900" kern="1200"/>
-  </cs:trendlineLabel>
-  <cs:upBar>
-    <cs:lnRef idx="0"/>
-    <cs:fillRef idx="0"/>
-    <cs:effectRef idx="0"/>
-    <cs:fontRef idx="minor">
-      <a:schemeClr val="dk1"/>
-    </cs:fontRef>
-    <cs:spPr>
-      <a:solidFill>
-        <a:schemeClr val="lt1"/>
-      </a:solidFill>
-      <a:ln w="9525">
-        <a:solidFill>
-          <a:schemeClr val="tx1">
-            <a:lumMod val="15000"/>
-            <a:lumOff val="85000"/>
-          </a:schemeClr>
-        </a:solidFill>
-      </a:ln>
-    </cs:spPr>
-  </cs:upBar>
-  <cs:valueAxis>
-    <cs:lnRef idx="0"/>
-    <cs:fillRef idx="0"/>
-    <cs:effectRef idx="0"/>
-    <cs:fontRef idx="minor">
-      <a:schemeClr val="tx1">
-        <a:lumMod val="65000"/>
-        <a:lumOff val="35000"/>
-      </a:schemeClr>
-    </cs:fontRef>
-    <cs:defRPr sz="900" kern="1200"/>
-  </cs:valueAxis>
-  <cs:wall>
-    <cs:lnRef idx="0"/>
-    <cs:fillRef idx="0"/>
-    <cs:effectRef idx="0"/>
-    <cs:fontRef idx="minor">
-      <a:schemeClr val="tx1"/>
-    </cs:fontRef>
-    <cs:spPr>
-      <a:noFill/>
-      <a:ln>
-        <a:noFill/>
-      </a:ln>
-    </cs:spPr>
-  </cs:wall>
-</cs:chartStyle>
-</file>
-
 <file path=ppt/notesMasters/notesMaster1.xml><?xml version="1.0" encoding="utf-8"?>
 <p:notesMaster xmlns:a="http://schemas.openxmlformats.org/drawingml/2006/main" xmlns:r="http://schemas.openxmlformats.org/officeDocument/2006/relationships" xmlns:p="http://schemas.openxmlformats.org/presentationml/2006/main">
   <p:cSld>
@@ -1094,7 +204,7 @@
           <a:p>
             <a:fld id="{43629953-D9AE-8249-9DDE-69509F1EC9BA}" type="datetimeFigureOut">
               <a:rPr lang="en-PT" smtClean="0"/>
-              <a:t>27/05/2022</a:t>
+              <a:t>05/27/2022</a:t>
             </a:fld>
             <a:endParaRPr lang="en-PT"/>
           </a:p>
@@ -1427,7 +537,7 @@
           <a:p>
             <a:fld id="{F3E149F3-C739-B143-A125-C53758079EDA}" type="slidenum">
               <a:rPr lang="en-PT" smtClean="0"/>
-              <a:t>5</a:t>
+              <a:t>4</a:t>
             </a:fld>
             <a:endParaRPr lang="en-PT"/>
           </a:p>
@@ -1511,7 +621,7 @@
           <a:p>
             <a:fld id="{F3E149F3-C739-B143-A125-C53758079EDA}" type="slidenum">
               <a:rPr lang="en-PT" smtClean="0"/>
-              <a:t>6</a:t>
+              <a:t>5</a:t>
             </a:fld>
             <a:endParaRPr lang="en-PT"/>
           </a:p>
@@ -1595,7 +705,7 @@
           <a:p>
             <a:fld id="{F3E149F3-C739-B143-A125-C53758079EDA}" type="slidenum">
               <a:rPr lang="en-PT" smtClean="0"/>
-              <a:t>7</a:t>
+              <a:t>6</a:t>
             </a:fld>
             <a:endParaRPr lang="en-PT"/>
           </a:p>
@@ -2359,7 +1469,7 @@
           <a:p>
             <a:fld id="{C279F69C-1302-0242-9CE6-72FA356894C0}" type="datetimeFigureOut">
               <a:rPr lang="en-PT" smtClean="0"/>
-              <a:t>27/05/2022</a:t>
+              <a:t>05/27/2022</a:t>
             </a:fld>
             <a:endParaRPr lang="en-PT"/>
           </a:p>
@@ -2610,7 +1720,7 @@
           <a:p>
             <a:fld id="{C279F69C-1302-0242-9CE6-72FA356894C0}" type="datetimeFigureOut">
               <a:rPr lang="en-PT" smtClean="0"/>
-              <a:t>27/05/2022</a:t>
+              <a:t>05/27/2022</a:t>
             </a:fld>
             <a:endParaRPr lang="en-PT"/>
           </a:p>
@@ -2924,7 +2034,7 @@
           <a:p>
             <a:fld id="{C279F69C-1302-0242-9CE6-72FA356894C0}" type="datetimeFigureOut">
               <a:rPr lang="en-PT" smtClean="0"/>
-              <a:t>27/05/2022</a:t>
+              <a:t>05/27/2022</a:t>
             </a:fld>
             <a:endParaRPr lang="en-PT"/>
           </a:p>
@@ -3257,7 +2367,7 @@
           <a:p>
             <a:fld id="{C279F69C-1302-0242-9CE6-72FA356894C0}" type="datetimeFigureOut">
               <a:rPr lang="en-PT" smtClean="0"/>
-              <a:t>27/05/2022</a:t>
+              <a:t>05/27/2022</a:t>
             </a:fld>
             <a:endParaRPr lang="en-PT"/>
           </a:p>
@@ -3571,7 +2681,7 @@
           <a:p>
             <a:fld id="{C279F69C-1302-0242-9CE6-72FA356894C0}" type="datetimeFigureOut">
               <a:rPr lang="en-PT" smtClean="0"/>
-              <a:t>27/05/2022</a:t>
+              <a:t>05/27/2022</a:t>
             </a:fld>
             <a:endParaRPr lang="en-PT"/>
           </a:p>
@@ -3964,7 +3074,7 @@
           <a:p>
             <a:fld id="{C279F69C-1302-0242-9CE6-72FA356894C0}" type="datetimeFigureOut">
               <a:rPr lang="en-PT" smtClean="0"/>
-              <a:t>27/05/2022</a:t>
+              <a:t>05/27/2022</a:t>
             </a:fld>
             <a:endParaRPr lang="en-PT"/>
           </a:p>
@@ -4134,7 +3244,7 @@
           <a:p>
             <a:fld id="{C279F69C-1302-0242-9CE6-72FA356894C0}" type="datetimeFigureOut">
               <a:rPr lang="en-PT" smtClean="0"/>
-              <a:t>27/05/2022</a:t>
+              <a:t>05/27/2022</a:t>
             </a:fld>
             <a:endParaRPr lang="en-PT"/>
           </a:p>
@@ -4314,7 +3424,7 @@
           <a:p>
             <a:fld id="{C279F69C-1302-0242-9CE6-72FA356894C0}" type="datetimeFigureOut">
               <a:rPr lang="en-PT" smtClean="0"/>
-              <a:t>27/05/2022</a:t>
+              <a:t>05/27/2022</a:t>
             </a:fld>
             <a:endParaRPr lang="en-PT"/>
           </a:p>
@@ -4484,7 +3594,7 @@
           <a:p>
             <a:fld id="{C279F69C-1302-0242-9CE6-72FA356894C0}" type="datetimeFigureOut">
               <a:rPr lang="en-PT" smtClean="0"/>
-              <a:t>27/05/2022</a:t>
+              <a:t>05/27/2022</a:t>
             </a:fld>
             <a:endParaRPr lang="en-PT"/>
           </a:p>
@@ -4731,7 +3841,7 @@
           <a:p>
             <a:fld id="{C279F69C-1302-0242-9CE6-72FA356894C0}" type="datetimeFigureOut">
               <a:rPr lang="en-PT" smtClean="0"/>
-              <a:t>27/05/2022</a:t>
+              <a:t>05/27/2022</a:t>
             </a:fld>
             <a:endParaRPr lang="en-PT"/>
           </a:p>
@@ -4963,7 +4073,7 @@
           <a:p>
             <a:fld id="{C279F69C-1302-0242-9CE6-72FA356894C0}" type="datetimeFigureOut">
               <a:rPr lang="en-PT" smtClean="0"/>
-              <a:t>27/05/2022</a:t>
+              <a:t>05/27/2022</a:t>
             </a:fld>
             <a:endParaRPr lang="en-PT"/>
           </a:p>
@@ -5337,7 +4447,7 @@
           <a:p>
             <a:fld id="{C279F69C-1302-0242-9CE6-72FA356894C0}" type="datetimeFigureOut">
               <a:rPr lang="en-PT" smtClean="0"/>
-              <a:t>27/05/2022</a:t>
+              <a:t>05/27/2022</a:t>
             </a:fld>
             <a:endParaRPr lang="en-PT"/>
           </a:p>
@@ -5460,7 +4570,7 @@
           <a:p>
             <a:fld id="{C279F69C-1302-0242-9CE6-72FA356894C0}" type="datetimeFigureOut">
               <a:rPr lang="en-PT" smtClean="0"/>
-              <a:t>27/05/2022</a:t>
+              <a:t>05/27/2022</a:t>
             </a:fld>
             <a:endParaRPr lang="en-PT"/>
           </a:p>
@@ -5555,7 +4665,7 @@
           <a:p>
             <a:fld id="{C279F69C-1302-0242-9CE6-72FA356894C0}" type="datetimeFigureOut">
               <a:rPr lang="en-PT" smtClean="0"/>
-              <a:t>27/05/2022</a:t>
+              <a:t>05/27/2022</a:t>
             </a:fld>
             <a:endParaRPr lang="en-PT"/>
           </a:p>
@@ -5810,7 +4920,7 @@
           <a:p>
             <a:fld id="{C279F69C-1302-0242-9CE6-72FA356894C0}" type="datetimeFigureOut">
               <a:rPr lang="en-PT" smtClean="0"/>
-              <a:t>27/05/2022</a:t>
+              <a:t>05/27/2022</a:t>
             </a:fld>
             <a:endParaRPr lang="en-PT"/>
           </a:p>
@@ -6115,7 +5225,7 @@
           <a:p>
             <a:fld id="{C279F69C-1302-0242-9CE6-72FA356894C0}" type="datetimeFigureOut">
               <a:rPr lang="en-PT" smtClean="0"/>
-              <a:t>27/05/2022</a:t>
+              <a:t>05/27/2022</a:t>
             </a:fld>
             <a:endParaRPr lang="en-PT"/>
           </a:p>
@@ -6817,7 +5927,7 @@
           <a:p>
             <a:fld id="{C279F69C-1302-0242-9CE6-72FA356894C0}" type="datetimeFigureOut">
               <a:rPr lang="en-PT" smtClean="0"/>
-              <a:t>27/05/2022</a:t>
+              <a:t>05/27/2022</a:t>
             </a:fld>
             <a:endParaRPr lang="en-PT"/>
           </a:p>
@@ -7359,7 +6469,7 @@
         </p:nvSpPr>
         <p:spPr>
           <a:xfrm>
-            <a:off x="1414217" y="456714"/>
+            <a:off x="1414217" y="196657"/>
             <a:ext cx="10081097" cy="1143486"/>
           </a:xfrm>
         </p:spPr>
@@ -7459,7 +6569,7 @@
         </p:nvSpPr>
         <p:spPr>
           <a:xfrm>
-            <a:off x="1" y="5666043"/>
+            <a:off x="422032" y="5666043"/>
             <a:ext cx="8619066" cy="847114"/>
           </a:xfrm>
           <a:prstGeom prst="rect">
@@ -7545,88 +6655,82 @@
           <a:p>
             <a:pPr algn="just"/>
             <a:r>
-              <a:rPr lang="en-GB" sz="2800" b="1" dirty="0" err="1">
+              <a:rPr lang="en-PT" sz="2800" b="1" dirty="0">
                 <a:solidFill>
                   <a:schemeClr val="accent1">
                     <a:lumMod val="50000"/>
                   </a:schemeClr>
                 </a:solidFill>
               </a:rPr>
-              <a:t>Natanael</a:t>
-            </a:r>
-            <a:r>
-              <a:rPr lang="en-GB" sz="2800" b="1" dirty="0">
+              <a:t>Edgar </a:t>
+            </a:r>
+            <a:r>
+              <a:rPr lang="fr-CA" sz="2800" b="1" dirty="0">
                 <a:solidFill>
                   <a:schemeClr val="accent1">
                     <a:lumMod val="50000"/>
                   </a:schemeClr>
                 </a:solidFill>
               </a:rPr>
-              <a:t> </a:t>
-            </a:r>
-            <a:r>
-              <a:rPr lang="en-GB" sz="2800" b="1" dirty="0" err="1">
-                <a:solidFill>
-                  <a:schemeClr val="accent1">
-                    <a:lumMod val="50000"/>
-                  </a:schemeClr>
-                </a:solidFill>
-              </a:rPr>
-              <a:t>Pitoun</a:t>
-            </a:r>
-            <a:r>
-              <a:rPr lang="en-GB" sz="2800" b="1" dirty="0">
-                <a:solidFill>
-                  <a:schemeClr val="accent1">
-                    <a:lumMod val="50000"/>
-                  </a:schemeClr>
-                </a:solidFill>
-              </a:rPr>
-              <a:t> - Ferdinand </a:t>
-            </a:r>
-            <a:r>
-              <a:rPr lang="en-GB" sz="2800" b="1" dirty="0" err="1">
-                <a:solidFill>
-                  <a:schemeClr val="accent1">
-                    <a:lumMod val="50000"/>
-                  </a:schemeClr>
-                </a:solidFill>
-              </a:rPr>
-              <a:t>Leube</a:t>
-            </a:r>
-            <a:r>
-              <a:rPr lang="en-GB" sz="2800" b="1" dirty="0">
-                <a:solidFill>
-                  <a:schemeClr val="accent1">
-                    <a:lumMod val="50000"/>
-                  </a:schemeClr>
-                </a:solidFill>
-              </a:rPr>
-              <a:t> </a:t>
-            </a:r>
-            <a:r>
-              <a:rPr lang="en-PT" sz="2800" dirty="0">
-                <a:solidFill>
-                  <a:schemeClr val="accent1">
-                    <a:lumMod val="50000"/>
-                  </a:schemeClr>
-                </a:solidFill>
-              </a:rPr>
-              <a:t>– </a:t>
-            </a:r>
-            <a:r>
-              <a:rPr lang="en-PT" sz="2800" b="1" dirty="0">
-                <a:solidFill>
-                  <a:schemeClr val="accent1">
-                    <a:lumMod val="50000"/>
-                  </a:schemeClr>
-                </a:solidFill>
-              </a:rPr>
-              <a:t>Edgar Tomé</a:t>
-            </a:r>
-          </a:p>
-        </p:txBody>
-      </p:sp>
+              <a:t>- Mathieu</a:t>
+            </a:r>
+            <a:endParaRPr lang="en-PT" sz="2800" b="1" dirty="0">
+              <a:solidFill>
+                <a:schemeClr val="accent1">
+                  <a:lumMod val="50000"/>
+                </a:schemeClr>
+              </a:solidFill>
+            </a:endParaRPr>
+          </a:p>
+        </p:txBody>
+      </p:sp>
+      <p:pic>
+        <p:nvPicPr>
+          <p:cNvPr id="1026" name="Picture 2" descr="DATABASE issues - Dr Evil Austin Powers | Make a Meme">
+            <a:extLst>
+              <a:ext uri="{FF2B5EF4-FFF2-40B4-BE49-F238E27FC236}">
+                <a16:creationId xmlns:a16="http://schemas.microsoft.com/office/drawing/2014/main" id="{5B089A36-43E0-544A-1684-65CEEC1C18AA}"/>
+              </a:ext>
+            </a:extLst>
+          </p:cNvPr>
+          <p:cNvPicPr>
+            <a:picLocks noChangeAspect="1" noChangeArrowheads="1"/>
+          </p:cNvPicPr>
+          <p:nvPr/>
+        </p:nvPicPr>
+        <p:blipFill>
+          <a:blip r:embed="rId3">
+            <a:extLst>
+              <a:ext uri="{28A0092B-C50C-407E-A947-70E740481C1C}">
+                <a14:useLocalDpi xmlns:a14="http://schemas.microsoft.com/office/drawing/2010/main" val="0"/>
+              </a:ext>
+            </a:extLst>
+          </a:blip>
+          <a:srcRect/>
+          <a:stretch>
+            <a:fillRect/>
+          </a:stretch>
+        </p:blipFill>
+        <p:spPr bwMode="auto">
+          <a:xfrm>
+            <a:off x="3238500" y="1856043"/>
+            <a:ext cx="5715000" cy="3810000"/>
+          </a:xfrm>
+          <a:prstGeom prst="rect">
+            <a:avLst/>
+          </a:prstGeom>
+          <a:noFill/>
+          <a:extLst>
+            <a:ext uri="{909E8E84-426E-40DD-AFC4-6F175D3DCCD1}">
+              <a14:hiddenFill xmlns:a14="http://schemas.microsoft.com/office/drawing/2010/main">
+                <a:solidFill>
+                  <a:srgbClr val="FFFFFF"/>
+                </a:solidFill>
+              </a14:hiddenFill>
+            </a:ext>
+          </a:extLst>
+        </p:spPr>
+      </p:pic>
     </p:spTree>
     <p:extLst>
       <p:ext uri="{BB962C8B-B14F-4D97-AF65-F5344CB8AC3E}">
@@ -7675,7 +6779,7 @@
         </p:nvSpPr>
         <p:spPr>
           <a:xfrm>
-            <a:off x="1663599" y="344843"/>
+            <a:off x="1663599" y="361143"/>
             <a:ext cx="7837589" cy="847114"/>
           </a:xfrm>
         </p:spPr>
@@ -7685,7 +6789,7 @@
           </a:bodyPr>
           <a:lstStyle/>
           <a:p>
-            <a:pPr algn="just"/>
+            <a:pPr algn="l"/>
             <a:r>
               <a:rPr lang="en-PT" sz="3200" dirty="0">
                 <a:solidFill>
@@ -7694,17 +6798,26 @@
                   </a:schemeClr>
                 </a:solidFill>
               </a:rPr>
-              <a:t>Project 2 - </a:t>
-            </a:r>
-            <a:r>
-              <a:rPr lang="en-GB" sz="3200" b="1" dirty="0">
+              <a:t>Project 3 – Data Clean </a:t>
+            </a:r>
+            <a:br>
+              <a:rPr lang="en-PT" sz="3200" dirty="0">
                 <a:solidFill>
                   <a:schemeClr val="accent1">
                     <a:lumMod val="50000"/>
                   </a:schemeClr>
                 </a:solidFill>
               </a:rPr>
-              <a:t>Creating Database in MYSQL</a:t>
+            </a:br>
+            <a:r>
+              <a:rPr lang="en-GB" sz="3200" dirty="0">
+                <a:solidFill>
+                  <a:schemeClr val="accent1">
+                    <a:lumMod val="50000"/>
+                  </a:schemeClr>
+                </a:solidFill>
+              </a:rPr>
+              <a:t>Entrepreneurial competency</a:t>
             </a:r>
             <a:endParaRPr lang="en-PT" sz="3200" dirty="0">
               <a:solidFill>
@@ -7859,17 +6972,34 @@
                   </a:schemeClr>
                 </a:solidFill>
               </a:rPr>
-              <a:t>Planning - Jira</a:t>
-            </a:r>
+              <a:t>Planning - </a:t>
+            </a:r>
+            <a:r>
+              <a:rPr lang="fr-CA" sz="3600" dirty="0">
+                <a:solidFill>
+                  <a:schemeClr val="accent1">
+                    <a:lumMod val="50000"/>
+                  </a:schemeClr>
+                </a:solidFill>
+              </a:rPr>
+              <a:t>Trello</a:t>
+            </a:r>
+            <a:endParaRPr lang="en-PT" sz="3600" dirty="0">
+              <a:solidFill>
+                <a:schemeClr val="accent1">
+                  <a:lumMod val="50000"/>
+                </a:schemeClr>
+              </a:solidFill>
+            </a:endParaRPr>
           </a:p>
         </p:txBody>
       </p:sp>
       <p:pic>
         <p:nvPicPr>
-          <p:cNvPr id="5" name="Picture 4">
+          <p:cNvPr id="7" name="Picture 6">
             <a:extLst>
               <a:ext uri="{FF2B5EF4-FFF2-40B4-BE49-F238E27FC236}">
-                <a16:creationId xmlns:a16="http://schemas.microsoft.com/office/drawing/2014/main" id="{9E8FDA3E-5EB2-6266-9D1B-3164F7AB870A}"/>
+                <a16:creationId xmlns:a16="http://schemas.microsoft.com/office/drawing/2014/main" id="{05D73422-97A7-BDA2-43F1-9832A592BA1A}"/>
               </a:ext>
             </a:extLst>
           </p:cNvPr>
@@ -7878,132 +7008,16 @@
           </p:cNvPicPr>
           <p:nvPr/>
         </p:nvPicPr>
-        <p:blipFill rotWithShape="1">
+        <p:blipFill>
           <a:blip r:embed="rId3"/>
-          <a:srcRect r="40388"/>
-          <a:stretch/>
+          <a:stretch>
+            <a:fillRect/>
+          </a:stretch>
         </p:blipFill>
         <p:spPr>
           <a:xfrm>
-            <a:off x="1663599" y="2416645"/>
-            <a:ext cx="2453268" cy="2832669"/>
-          </a:xfrm>
-          <a:prstGeom prst="rect">
-            <a:avLst/>
-          </a:prstGeom>
-        </p:spPr>
-      </p:pic>
-      <p:sp>
-        <p:nvSpPr>
-          <p:cNvPr id="8" name="TextBox 7">
-            <a:extLst>
-              <a:ext uri="{FF2B5EF4-FFF2-40B4-BE49-F238E27FC236}">
-                <a16:creationId xmlns:a16="http://schemas.microsoft.com/office/drawing/2014/main" id="{F29D1D01-C440-DBEC-7CA1-8A5BE0FCF40C}"/>
-              </a:ext>
-            </a:extLst>
-          </p:cNvPr>
-          <p:cNvSpPr txBox="1"/>
-          <p:nvPr/>
-        </p:nvSpPr>
-        <p:spPr>
-          <a:xfrm>
-            <a:off x="2390484" y="1837071"/>
-            <a:ext cx="1380067" cy="584775"/>
-          </a:xfrm>
-          <a:prstGeom prst="rect">
-            <a:avLst/>
-          </a:prstGeom>
-          <a:noFill/>
-        </p:spPr>
-        <p:txBody>
-          <a:bodyPr wrap="square" rtlCol="0">
-            <a:spAutoFit/>
-          </a:bodyPr>
-          <a:lstStyle/>
-          <a:p>
-            <a:r>
-              <a:rPr lang="en-PT" sz="3200" dirty="0">
-                <a:solidFill>
-                  <a:schemeClr val="accent1">
-                    <a:lumMod val="50000"/>
-                  </a:schemeClr>
-                </a:solidFill>
-                <a:latin typeface="+mj-lt"/>
-                <a:ea typeface="+mj-ea"/>
-                <a:cs typeface="+mj-cs"/>
-              </a:rPr>
-              <a:t>Start</a:t>
-            </a:r>
-          </a:p>
-        </p:txBody>
-      </p:sp>
-      <p:sp>
-        <p:nvSpPr>
-          <p:cNvPr id="11" name="TextBox 10">
-            <a:extLst>
-              <a:ext uri="{FF2B5EF4-FFF2-40B4-BE49-F238E27FC236}">
-                <a16:creationId xmlns:a16="http://schemas.microsoft.com/office/drawing/2014/main" id="{BFB0BF8F-5133-FE9A-F5F6-5958BA384EEA}"/>
-              </a:ext>
-            </a:extLst>
-          </p:cNvPr>
-          <p:cNvSpPr txBox="1"/>
-          <p:nvPr/>
-        </p:nvSpPr>
-        <p:spPr>
-          <a:xfrm>
-            <a:off x="6776351" y="1692971"/>
-            <a:ext cx="1380067" cy="584775"/>
-          </a:xfrm>
-          <a:prstGeom prst="rect">
-            <a:avLst/>
-          </a:prstGeom>
-          <a:noFill/>
-        </p:spPr>
-        <p:txBody>
-          <a:bodyPr wrap="square" rtlCol="0">
-            <a:spAutoFit/>
-          </a:bodyPr>
-          <a:lstStyle/>
-          <a:p>
-            <a:r>
-              <a:rPr lang="en-PT" sz="3200" dirty="0">
-                <a:solidFill>
-                  <a:schemeClr val="accent1">
-                    <a:lumMod val="50000"/>
-                  </a:schemeClr>
-                </a:solidFill>
-                <a:latin typeface="+mj-lt"/>
-                <a:ea typeface="+mj-ea"/>
-                <a:cs typeface="+mj-cs"/>
-              </a:rPr>
-              <a:t>Final</a:t>
-            </a:r>
-          </a:p>
-        </p:txBody>
-      </p:sp>
-      <p:pic>
-        <p:nvPicPr>
-          <p:cNvPr id="13" name="Picture 12">
-            <a:extLst>
-              <a:ext uri="{FF2B5EF4-FFF2-40B4-BE49-F238E27FC236}">
-                <a16:creationId xmlns:a16="http://schemas.microsoft.com/office/drawing/2014/main" id="{2D169C68-806E-AB46-44C0-565B7D677A38}"/>
-              </a:ext>
-            </a:extLst>
-          </p:cNvPr>
-          <p:cNvPicPr>
-            <a:picLocks noChangeAspect="1"/>
-          </p:cNvPicPr>
-          <p:nvPr/>
-        </p:nvPicPr>
-        <p:blipFill rotWithShape="1">
-          <a:blip r:embed="rId4"/>
-          <a:srcRect r="37051"/>
-          <a:stretch/>
-        </p:blipFill>
-        <p:spPr>
-          <a:xfrm>
-            <a:off x="5597398" y="2201546"/>
-            <a:ext cx="3773866" cy="3656084"/>
+            <a:off x="590775" y="2311121"/>
+            <a:ext cx="11010449" cy="3850564"/>
           </a:xfrm>
           <a:prstGeom prst="rect">
             <a:avLst/>
@@ -8068,7 +7082,7 @@
           </a:bodyPr>
           <a:lstStyle/>
           <a:p>
-            <a:pPr algn="just"/>
+            <a:pPr algn="l"/>
             <a:r>
               <a:rPr lang="en-PT" sz="3200" dirty="0">
                 <a:solidFill>
@@ -8077,17 +7091,26 @@
                   </a:schemeClr>
                 </a:solidFill>
               </a:rPr>
-              <a:t>Project 2 - </a:t>
-            </a:r>
-            <a:r>
-              <a:rPr lang="en-GB" sz="3200" b="1" dirty="0">
+              <a:t>Project 3 – Data Clean </a:t>
+            </a:r>
+            <a:br>
+              <a:rPr lang="en-PT" sz="3200" dirty="0">
                 <a:solidFill>
                   <a:schemeClr val="accent1">
                     <a:lumMod val="50000"/>
                   </a:schemeClr>
                 </a:solidFill>
               </a:rPr>
-              <a:t>Creating Database in MYSQL</a:t>
+            </a:br>
+            <a:r>
+              <a:rPr lang="en-GB" sz="3200" dirty="0">
+                <a:solidFill>
+                  <a:schemeClr val="accent1">
+                    <a:lumMod val="50000"/>
+                  </a:schemeClr>
+                </a:solidFill>
+              </a:rPr>
+              <a:t>Entrepreneurial competency</a:t>
             </a:r>
             <a:endParaRPr lang="en-PT" sz="3200" dirty="0">
               <a:solidFill>
@@ -8242,17 +7265,172 @@
                   </a:schemeClr>
                 </a:solidFill>
               </a:rPr>
-              <a:t>ER Model</a:t>
+              <a:t>Descripton of </a:t>
+            </a:r>
+            <a:r>
+              <a:rPr lang="fr-CA" sz="3600" dirty="0" err="1">
+                <a:solidFill>
+                  <a:schemeClr val="accent1">
+                    <a:lumMod val="50000"/>
+                  </a:schemeClr>
+                </a:solidFill>
+              </a:rPr>
+              <a:t>project</a:t>
+            </a:r>
+            <a:endParaRPr lang="en-PT" sz="3600" dirty="0">
+              <a:solidFill>
+                <a:schemeClr val="accent1">
+                  <a:lumMod val="50000"/>
+                </a:schemeClr>
+              </a:solidFill>
+            </a:endParaRPr>
+          </a:p>
+        </p:txBody>
+      </p:sp>
+      <p:sp>
+        <p:nvSpPr>
+          <p:cNvPr id="8" name="TextBox 7">
+            <a:extLst>
+              <a:ext uri="{FF2B5EF4-FFF2-40B4-BE49-F238E27FC236}">
+                <a16:creationId xmlns:a16="http://schemas.microsoft.com/office/drawing/2014/main" id="{EB34D9F0-33C4-35F3-B344-8A23960DE8F0}"/>
+              </a:ext>
+            </a:extLst>
+          </p:cNvPr>
+          <p:cNvSpPr txBox="1"/>
+          <p:nvPr/>
+        </p:nvSpPr>
+        <p:spPr>
+          <a:xfrm>
+            <a:off x="988963" y="2622805"/>
+            <a:ext cx="8512225" cy="2031325"/>
+          </a:xfrm>
+          <a:prstGeom prst="rect">
+            <a:avLst/>
+          </a:prstGeom>
+          <a:noFill/>
+        </p:spPr>
+        <p:txBody>
+          <a:bodyPr wrap="square" rtlCol="0">
+            <a:spAutoFit/>
+          </a:bodyPr>
+          <a:lstStyle/>
+          <a:p>
+            <a:pPr marL="285750" indent="-285750">
+              <a:buFont typeface="Arial" panose="020B0604020202020204" pitchFamily="34" charset="0"/>
+              <a:buChar char="•"/>
+            </a:pPr>
+            <a:r>
+              <a:rPr lang="en-GB" dirty="0">
+                <a:solidFill>
+                  <a:schemeClr val="accent1">
+                    <a:lumMod val="50000"/>
+                  </a:schemeClr>
+                </a:solidFill>
+              </a:rPr>
+              <a:t>Download the database about entrepreneurial competency</a:t>
+            </a:r>
+          </a:p>
+          <a:p>
+            <a:pPr marL="742950" lvl="1" indent="-285750">
+              <a:buFont typeface="Arial" panose="020B0604020202020204" pitchFamily="34" charset="0"/>
+              <a:buChar char="•"/>
+            </a:pPr>
+            <a:r>
+              <a:rPr lang="en-GB" dirty="0">
+                <a:solidFill>
+                  <a:schemeClr val="accent1">
+                    <a:lumMod val="50000"/>
+                  </a:schemeClr>
+                </a:solidFill>
+              </a:rPr>
+              <a:t>Examine data</a:t>
+            </a:r>
+          </a:p>
+          <a:p>
+            <a:pPr marL="742950" lvl="1" indent="-285750">
+              <a:buFont typeface="Arial" panose="020B0604020202020204" pitchFamily="34" charset="0"/>
+              <a:buChar char="•"/>
+            </a:pPr>
+            <a:r>
+              <a:rPr lang="en-GB" dirty="0">
+                <a:solidFill>
+                  <a:schemeClr val="accent1">
+                    <a:lumMod val="50000"/>
+                  </a:schemeClr>
+                </a:solidFill>
+              </a:rPr>
+              <a:t>Data cleaning</a:t>
+            </a:r>
+          </a:p>
+          <a:p>
+            <a:pPr marL="742950" lvl="1" indent="-285750">
+              <a:buFont typeface="Arial" panose="020B0604020202020204" pitchFamily="34" charset="0"/>
+              <a:buChar char="•"/>
+            </a:pPr>
+            <a:r>
+              <a:rPr lang="en-GB" dirty="0">
+                <a:solidFill>
+                  <a:schemeClr val="accent1">
+                    <a:lumMod val="50000"/>
+                  </a:schemeClr>
+                </a:solidFill>
+              </a:rPr>
+              <a:t>Export to csv the cleaned database</a:t>
+            </a:r>
+          </a:p>
+          <a:p>
+            <a:pPr marL="285750" indent="-285750">
+              <a:buFont typeface="Arial" panose="020B0604020202020204" pitchFamily="34" charset="0"/>
+              <a:buChar char="•"/>
+            </a:pPr>
+            <a:endParaRPr lang="en-GB" dirty="0">
+              <a:solidFill>
+                <a:schemeClr val="accent1">
+                  <a:lumMod val="50000"/>
+                </a:schemeClr>
+              </a:solidFill>
+            </a:endParaRPr>
+          </a:p>
+          <a:p>
+            <a:pPr marL="285750" indent="-285750">
+              <a:buFont typeface="Arial" panose="020B0604020202020204" pitchFamily="34" charset="0"/>
+              <a:buChar char="•"/>
+            </a:pPr>
+            <a:r>
+              <a:rPr lang="en-GB" dirty="0">
+                <a:solidFill>
+                  <a:schemeClr val="accent1">
+                    <a:lumMod val="50000"/>
+                  </a:schemeClr>
+                </a:solidFill>
+              </a:rPr>
+              <a:t>Export database to SQL</a:t>
+            </a:r>
+          </a:p>
+          <a:p>
+            <a:pPr marL="742950" lvl="1" indent="-285750">
+              <a:buFont typeface="Arial" panose="020B0604020202020204" pitchFamily="34" charset="0"/>
+              <a:buChar char="•"/>
+            </a:pPr>
+            <a:r>
+              <a:rPr lang="en-GB" dirty="0">
+                <a:solidFill>
+                  <a:schemeClr val="accent1">
+                    <a:lumMod val="50000"/>
+                  </a:schemeClr>
+                </a:solidFill>
+              </a:rPr>
+              <a:t>Create queries</a:t>
             </a:r>
           </a:p>
         </p:txBody>
       </p:sp>
       <p:pic>
         <p:nvPicPr>
-          <p:cNvPr id="7" name="Picture 6">
+          <p:cNvPr id="5" name="Picture 4">
             <a:extLst>
               <a:ext uri="{FF2B5EF4-FFF2-40B4-BE49-F238E27FC236}">
-                <a16:creationId xmlns:a16="http://schemas.microsoft.com/office/drawing/2014/main" id="{3A15827D-72FF-4637-AE89-7363F42ABA9D}"/>
+                <a16:creationId xmlns:a16="http://schemas.microsoft.com/office/drawing/2014/main" id="{E96AFE72-EA39-05ED-E100-6B970410C5A2}"/>
               </a:ext>
             </a:extLst>
           </p:cNvPr>
@@ -8269,18 +7447,59 @@
         </p:blipFill>
         <p:spPr>
           <a:xfrm>
-            <a:off x="2243137" y="2008442"/>
-            <a:ext cx="6172200" cy="4394200"/>
+            <a:off x="5582393" y="4569929"/>
+            <a:ext cx="6070512" cy="1943228"/>
           </a:xfrm>
           <a:prstGeom prst="rect">
             <a:avLst/>
           </a:prstGeom>
         </p:spPr>
       </p:pic>
+      <p:sp>
+        <p:nvSpPr>
+          <p:cNvPr id="9" name="TextBox 8">
+            <a:extLst>
+              <a:ext uri="{FF2B5EF4-FFF2-40B4-BE49-F238E27FC236}">
+                <a16:creationId xmlns:a16="http://schemas.microsoft.com/office/drawing/2014/main" id="{F743BF69-7E5C-7470-7474-24AC0EFAD3FC}"/>
+              </a:ext>
+            </a:extLst>
+          </p:cNvPr>
+          <p:cNvSpPr txBox="1"/>
+          <p:nvPr/>
+        </p:nvSpPr>
+        <p:spPr>
+          <a:xfrm>
+            <a:off x="7035033" y="4200597"/>
+            <a:ext cx="3165231" cy="369332"/>
+          </a:xfrm>
+          <a:prstGeom prst="rect">
+            <a:avLst/>
+          </a:prstGeom>
+          <a:noFill/>
+        </p:spPr>
+        <p:txBody>
+          <a:bodyPr wrap="square" rtlCol="0">
+            <a:spAutoFit/>
+          </a:bodyPr>
+          <a:lstStyle/>
+          <a:p>
+            <a:r>
+              <a:rPr lang="en-GB" dirty="0">
+                <a:solidFill>
+                  <a:schemeClr val="accent1">
+                    <a:lumMod val="50000"/>
+                  </a:schemeClr>
+                </a:solidFill>
+              </a:rPr>
+              <a:t>Example of cleaning steps</a:t>
+            </a:r>
+          </a:p>
+        </p:txBody>
+      </p:sp>
     </p:spTree>
     <p:extLst>
       <p:ext uri="{BB962C8B-B14F-4D97-AF65-F5344CB8AC3E}">
-        <p14:creationId xmlns:p14="http://schemas.microsoft.com/office/powerpoint/2010/main" val="2525812124"/>
+        <p14:creationId xmlns:p14="http://schemas.microsoft.com/office/powerpoint/2010/main" val="152402000"/>
       </p:ext>
     </p:extLst>
   </p:cSld>
@@ -8325,6 +7544,426 @@
         </p:nvSpPr>
         <p:spPr>
           <a:xfrm>
+            <a:off x="1663599" y="236689"/>
+            <a:ext cx="7837589" cy="1063422"/>
+          </a:xfrm>
+        </p:spPr>
+        <p:txBody>
+          <a:bodyPr>
+            <a:noAutofit/>
+          </a:bodyPr>
+          <a:lstStyle/>
+          <a:p>
+            <a:pPr algn="l"/>
+            <a:r>
+              <a:rPr lang="en-PT" sz="3200" dirty="0">
+                <a:solidFill>
+                  <a:schemeClr val="accent1">
+                    <a:lumMod val="50000"/>
+                  </a:schemeClr>
+                </a:solidFill>
+              </a:rPr>
+              <a:t>Project 3 – Data Clean </a:t>
+            </a:r>
+            <a:br>
+              <a:rPr lang="en-PT" sz="3200" dirty="0">
+                <a:solidFill>
+                  <a:schemeClr val="accent1">
+                    <a:lumMod val="50000"/>
+                  </a:schemeClr>
+                </a:solidFill>
+              </a:rPr>
+            </a:br>
+            <a:r>
+              <a:rPr lang="en-GB" sz="3200" dirty="0">
+                <a:solidFill>
+                  <a:schemeClr val="accent1">
+                    <a:lumMod val="50000"/>
+                  </a:schemeClr>
+                </a:solidFill>
+              </a:rPr>
+              <a:t>Entrepreneurial competency</a:t>
+            </a:r>
+            <a:endParaRPr lang="en-PT" sz="3200" dirty="0">
+              <a:solidFill>
+                <a:schemeClr val="accent1">
+                  <a:lumMod val="50000"/>
+                </a:schemeClr>
+              </a:solidFill>
+            </a:endParaRPr>
+          </a:p>
+        </p:txBody>
+      </p:sp>
+      <p:pic>
+        <p:nvPicPr>
+          <p:cNvPr id="4" name="Google Shape;109;p27">
+            <a:extLst>
+              <a:ext uri="{FF2B5EF4-FFF2-40B4-BE49-F238E27FC236}">
+                <a16:creationId xmlns:a16="http://schemas.microsoft.com/office/drawing/2014/main" id="{EA4D6600-5010-A9D9-EEA2-2672B776C650}"/>
+              </a:ext>
+            </a:extLst>
+          </p:cNvPr>
+          <p:cNvPicPr preferRelativeResize="0"/>
+          <p:nvPr/>
+        </p:nvPicPr>
+        <p:blipFill>
+          <a:blip r:embed="rId3">
+            <a:alphaModFix/>
+          </a:blip>
+          <a:stretch>
+            <a:fillRect/>
+          </a:stretch>
+        </p:blipFill>
+        <p:spPr>
+          <a:xfrm>
+            <a:off x="0" y="-63399"/>
+            <a:ext cx="1663599" cy="1663599"/>
+          </a:xfrm>
+          <a:prstGeom prst="rect">
+            <a:avLst/>
+          </a:prstGeom>
+          <a:noFill/>
+          <a:ln>
+            <a:noFill/>
+          </a:ln>
+        </p:spPr>
+      </p:pic>
+      <p:sp>
+        <p:nvSpPr>
+          <p:cNvPr id="6" name="Title 1">
+            <a:extLst>
+              <a:ext uri="{FF2B5EF4-FFF2-40B4-BE49-F238E27FC236}">
+                <a16:creationId xmlns:a16="http://schemas.microsoft.com/office/drawing/2014/main" id="{FC15AF38-D0D0-8EFE-95B4-3F7B5E18BE9F}"/>
+              </a:ext>
+            </a:extLst>
+          </p:cNvPr>
+          <p:cNvSpPr txBox="1">
+            <a:spLocks/>
+          </p:cNvSpPr>
+          <p:nvPr/>
+        </p:nvSpPr>
+        <p:spPr>
+          <a:xfrm>
+            <a:off x="831798" y="1367449"/>
+            <a:ext cx="5492801" cy="640993"/>
+          </a:xfrm>
+          <a:prstGeom prst="rect">
+            <a:avLst/>
+          </a:prstGeom>
+        </p:spPr>
+        <p:txBody>
+          <a:bodyPr vert="horz" lIns="91440" tIns="45720" rIns="91440" bIns="45720" rtlCol="0" anchor="b">
+            <a:normAutofit fontScale="97500"/>
+          </a:bodyPr>
+          <a:lstStyle>
+            <a:lvl1pPr algn="r" defTabSz="457200" rtl="0" eaLnBrk="1" latinLnBrk="0" hangingPunct="1">
+              <a:spcBef>
+                <a:spcPct val="0"/>
+              </a:spcBef>
+              <a:buNone/>
+              <a:defRPr sz="5400" kern="1200">
+                <a:solidFill>
+                  <a:schemeClr val="accent1"/>
+                </a:solidFill>
+                <a:latin typeface="+mj-lt"/>
+                <a:ea typeface="+mj-ea"/>
+                <a:cs typeface="+mj-cs"/>
+              </a:defRPr>
+            </a:lvl1pPr>
+            <a:lvl2pPr eaLnBrk="1" hangingPunct="1">
+              <a:defRPr>
+                <a:solidFill>
+                  <a:schemeClr val="tx2"/>
+                </a:solidFill>
+              </a:defRPr>
+            </a:lvl2pPr>
+            <a:lvl3pPr eaLnBrk="1" hangingPunct="1">
+              <a:defRPr>
+                <a:solidFill>
+                  <a:schemeClr val="tx2"/>
+                </a:solidFill>
+              </a:defRPr>
+            </a:lvl3pPr>
+            <a:lvl4pPr eaLnBrk="1" hangingPunct="1">
+              <a:defRPr>
+                <a:solidFill>
+                  <a:schemeClr val="tx2"/>
+                </a:solidFill>
+              </a:defRPr>
+            </a:lvl4pPr>
+            <a:lvl5pPr eaLnBrk="1" hangingPunct="1">
+              <a:defRPr>
+                <a:solidFill>
+                  <a:schemeClr val="tx2"/>
+                </a:solidFill>
+              </a:defRPr>
+            </a:lvl5pPr>
+            <a:lvl6pPr eaLnBrk="1" hangingPunct="1">
+              <a:defRPr>
+                <a:solidFill>
+                  <a:schemeClr val="tx2"/>
+                </a:solidFill>
+              </a:defRPr>
+            </a:lvl6pPr>
+            <a:lvl7pPr eaLnBrk="1" hangingPunct="1">
+              <a:defRPr>
+                <a:solidFill>
+                  <a:schemeClr val="tx2"/>
+                </a:solidFill>
+              </a:defRPr>
+            </a:lvl7pPr>
+            <a:lvl8pPr eaLnBrk="1" hangingPunct="1">
+              <a:defRPr>
+                <a:solidFill>
+                  <a:schemeClr val="tx2"/>
+                </a:solidFill>
+              </a:defRPr>
+            </a:lvl8pPr>
+            <a:lvl9pPr eaLnBrk="1" hangingPunct="1">
+              <a:defRPr>
+                <a:solidFill>
+                  <a:schemeClr val="tx2"/>
+                </a:solidFill>
+              </a:defRPr>
+            </a:lvl9pPr>
+          </a:lstStyle>
+          <a:p>
+            <a:pPr algn="just"/>
+            <a:r>
+              <a:rPr lang="en-PT" sz="3600" dirty="0">
+                <a:solidFill>
+                  <a:schemeClr val="accent1">
+                    <a:lumMod val="50000"/>
+                  </a:schemeClr>
+                </a:solidFill>
+              </a:rPr>
+              <a:t>SQL – Script - Queries</a:t>
+            </a:r>
+          </a:p>
+        </p:txBody>
+      </p:sp>
+      <p:sp>
+        <p:nvSpPr>
+          <p:cNvPr id="7" name="TextBox 6">
+            <a:extLst>
+              <a:ext uri="{FF2B5EF4-FFF2-40B4-BE49-F238E27FC236}">
+                <a16:creationId xmlns:a16="http://schemas.microsoft.com/office/drawing/2014/main" id="{91CEC082-F482-91B6-E757-D849C0225358}"/>
+              </a:ext>
+            </a:extLst>
+          </p:cNvPr>
+          <p:cNvSpPr txBox="1"/>
+          <p:nvPr/>
+        </p:nvSpPr>
+        <p:spPr>
+          <a:xfrm>
+            <a:off x="988963" y="2183934"/>
+            <a:ext cx="8512225" cy="3693319"/>
+          </a:xfrm>
+          <a:prstGeom prst="rect">
+            <a:avLst/>
+          </a:prstGeom>
+          <a:noFill/>
+        </p:spPr>
+        <p:txBody>
+          <a:bodyPr wrap="square" rtlCol="0">
+            <a:spAutoFit/>
+          </a:bodyPr>
+          <a:lstStyle/>
+          <a:p>
+            <a:pPr marL="285750" indent="-285750">
+              <a:buFont typeface="Arial" panose="020B0604020202020204" pitchFamily="34" charset="0"/>
+              <a:buChar char="•"/>
+            </a:pPr>
+            <a:r>
+              <a:rPr lang="en-GB" dirty="0">
+                <a:solidFill>
+                  <a:schemeClr val="accent1">
+                    <a:lumMod val="50000"/>
+                  </a:schemeClr>
+                </a:solidFill>
+              </a:rPr>
+              <a:t>Create some queries to get insight about the database</a:t>
+            </a:r>
+          </a:p>
+          <a:p>
+            <a:pPr marL="285750" indent="-285750">
+              <a:buFont typeface="Arial" panose="020B0604020202020204" pitchFamily="34" charset="0"/>
+              <a:buChar char="•"/>
+            </a:pPr>
+            <a:endParaRPr lang="en-GB" dirty="0">
+              <a:solidFill>
+                <a:schemeClr val="accent1">
+                  <a:lumMod val="50000"/>
+                </a:schemeClr>
+              </a:solidFill>
+            </a:endParaRPr>
+          </a:p>
+          <a:p>
+            <a:pPr marL="742950" lvl="1" indent="-285750">
+              <a:buFont typeface="Arial" panose="020B0604020202020204" pitchFamily="34" charset="0"/>
+              <a:buChar char="•"/>
+            </a:pPr>
+            <a:r>
+              <a:rPr lang="en-GB" dirty="0">
+                <a:solidFill>
+                  <a:schemeClr val="accent1">
+                    <a:lumMod val="50000"/>
+                  </a:schemeClr>
+                </a:solidFill>
+              </a:rPr>
+              <a:t>Query 1: Understand the distribution of the database</a:t>
+            </a:r>
+          </a:p>
+          <a:p>
+            <a:pPr marL="742950" lvl="1" indent="-285750">
+              <a:buFont typeface="Arial" panose="020B0604020202020204" pitchFamily="34" charset="0"/>
+              <a:buChar char="•"/>
+            </a:pPr>
+            <a:endParaRPr lang="en-GB" dirty="0">
+              <a:solidFill>
+                <a:schemeClr val="accent1">
+                  <a:lumMod val="50000"/>
+                </a:schemeClr>
+              </a:solidFill>
+            </a:endParaRPr>
+          </a:p>
+          <a:p>
+            <a:pPr marL="742950" lvl="1" indent="-285750">
+              <a:buFont typeface="Arial" panose="020B0604020202020204" pitchFamily="34" charset="0"/>
+              <a:buChar char="•"/>
+            </a:pPr>
+            <a:r>
+              <a:rPr lang="en-GB" dirty="0">
+                <a:solidFill>
+                  <a:schemeClr val="accent1">
+                    <a:lumMod val="50000"/>
+                  </a:schemeClr>
+                </a:solidFill>
+              </a:rPr>
+              <a:t>Query 2: What are the educational sectors with most student with entrepreneurial competency</a:t>
+            </a:r>
+          </a:p>
+          <a:p>
+            <a:pPr marL="742950" lvl="1" indent="-285750">
+              <a:buFont typeface="Arial" panose="020B0604020202020204" pitchFamily="34" charset="0"/>
+              <a:buChar char="•"/>
+            </a:pPr>
+            <a:endParaRPr lang="en-GB" dirty="0">
+              <a:solidFill>
+                <a:schemeClr val="accent1">
+                  <a:lumMod val="50000"/>
+                </a:schemeClr>
+              </a:solidFill>
+            </a:endParaRPr>
+          </a:p>
+          <a:p>
+            <a:pPr marL="742950" lvl="1" indent="-285750">
+              <a:buFont typeface="Arial" panose="020B0604020202020204" pitchFamily="34" charset="0"/>
+              <a:buChar char="•"/>
+            </a:pPr>
+            <a:r>
+              <a:rPr lang="en-GB" dirty="0">
+                <a:solidFill>
+                  <a:schemeClr val="accent1">
+                    <a:lumMod val="50000"/>
+                  </a:schemeClr>
+                </a:solidFill>
+              </a:rPr>
+              <a:t>Query 3: What is the most returning key trait for student with entrepreneurial competency</a:t>
+            </a:r>
+          </a:p>
+          <a:p>
+            <a:pPr marL="742950" lvl="1" indent="-285750">
+              <a:buFont typeface="Arial" panose="020B0604020202020204" pitchFamily="34" charset="0"/>
+              <a:buChar char="•"/>
+            </a:pPr>
+            <a:endParaRPr lang="en-GB" dirty="0">
+              <a:solidFill>
+                <a:schemeClr val="accent1">
+                  <a:lumMod val="50000"/>
+                </a:schemeClr>
+              </a:solidFill>
+            </a:endParaRPr>
+          </a:p>
+          <a:p>
+            <a:pPr marL="742950" lvl="1" indent="-285750">
+              <a:buFont typeface="Arial" panose="020B0604020202020204" pitchFamily="34" charset="0"/>
+              <a:buChar char="•"/>
+            </a:pPr>
+            <a:r>
+              <a:rPr lang="en-GB" dirty="0">
+                <a:solidFill>
+                  <a:schemeClr val="accent1">
+                    <a:lumMod val="50000"/>
+                  </a:schemeClr>
+                </a:solidFill>
+              </a:rPr>
+              <a:t>Query 4: Number of student with entrepreneurial competency that have a mental disorder</a:t>
+            </a:r>
+          </a:p>
+          <a:p>
+            <a:pPr marL="285750" indent="-285750">
+              <a:buFont typeface="Arial" panose="020B0604020202020204" pitchFamily="34" charset="0"/>
+              <a:buChar char="•"/>
+            </a:pPr>
+            <a:endParaRPr lang="en-GB" dirty="0">
+              <a:solidFill>
+                <a:schemeClr val="accent1">
+                  <a:lumMod val="50000"/>
+                </a:schemeClr>
+              </a:solidFill>
+            </a:endParaRPr>
+          </a:p>
+        </p:txBody>
+      </p:sp>
+    </p:spTree>
+    <p:extLst>
+      <p:ext uri="{BB962C8B-B14F-4D97-AF65-F5344CB8AC3E}">
+        <p14:creationId xmlns:p14="http://schemas.microsoft.com/office/powerpoint/2010/main" val="3858199085"/>
+      </p:ext>
+    </p:extLst>
+  </p:cSld>
+  <p:clrMapOvr>
+    <a:masterClrMapping/>
+  </p:clrMapOvr>
+</p:sld>
+</file>
+
+<file path=ppt/slides/slide5.xml><?xml version="1.0" encoding="utf-8"?>
+<p:sld xmlns:a="http://schemas.openxmlformats.org/drawingml/2006/main" xmlns:r="http://schemas.openxmlformats.org/officeDocument/2006/relationships" xmlns:p="http://schemas.openxmlformats.org/presentationml/2006/main">
+  <p:cSld>
+    <p:spTree>
+      <p:nvGrpSpPr>
+        <p:cNvPr id="1" name=""/>
+        <p:cNvGrpSpPr/>
+        <p:nvPr/>
+      </p:nvGrpSpPr>
+      <p:grpSpPr>
+        <a:xfrm>
+          <a:off x="0" y="0"/>
+          <a:ext cx="0" cy="0"/>
+          <a:chOff x="0" y="0"/>
+          <a:chExt cx="0" cy="0"/>
+        </a:xfrm>
+      </p:grpSpPr>
+      <p:sp>
+        <p:nvSpPr>
+          <p:cNvPr id="2" name="Title 1">
+            <a:extLst>
+              <a:ext uri="{FF2B5EF4-FFF2-40B4-BE49-F238E27FC236}">
+                <a16:creationId xmlns:a16="http://schemas.microsoft.com/office/drawing/2014/main" id="{3BEF93F7-D45B-68F7-4E28-0844B627DDA5}"/>
+              </a:ext>
+            </a:extLst>
+          </p:cNvPr>
+          <p:cNvSpPr>
+            <a:spLocks noGrp="1"/>
+          </p:cNvSpPr>
+          <p:nvPr>
+            <p:ph type="ctrTitle"/>
+          </p:nvPr>
+        </p:nvSpPr>
+        <p:spPr>
+          <a:xfrm>
             <a:off x="1663599" y="344843"/>
             <a:ext cx="7837589" cy="847114"/>
           </a:xfrm>
@@ -8335,7 +7974,7 @@
           </a:bodyPr>
           <a:lstStyle/>
           <a:p>
-            <a:pPr algn="just"/>
+            <a:pPr algn="l"/>
             <a:r>
               <a:rPr lang="en-PT" sz="3200" dirty="0">
                 <a:solidFill>
@@ -8344,19 +7983,728 @@
                   </a:schemeClr>
                 </a:solidFill>
               </a:rPr>
-              <a:t>Project 2 - </a:t>
-            </a:r>
-            <a:r>
-              <a:rPr lang="en-GB" sz="3200" b="1" dirty="0">
+              <a:t>Project 3 – Data Clean </a:t>
+            </a:r>
+            <a:br>
+              <a:rPr lang="en-PT" sz="3200" dirty="0">
                 <a:solidFill>
                   <a:schemeClr val="accent1">
                     <a:lumMod val="50000"/>
                   </a:schemeClr>
                 </a:solidFill>
               </a:rPr>
-              <a:t>Creating Database in MYSQL</a:t>
+            </a:br>
+            <a:r>
+              <a:rPr lang="en-GB" sz="3200" dirty="0">
+                <a:solidFill>
+                  <a:schemeClr val="accent1">
+                    <a:lumMod val="50000"/>
+                  </a:schemeClr>
+                </a:solidFill>
+              </a:rPr>
+              <a:t>Entrepreneurial competency</a:t>
             </a:r>
             <a:endParaRPr lang="en-PT" sz="3200" dirty="0">
+              <a:solidFill>
+                <a:schemeClr val="accent1">
+                  <a:lumMod val="50000"/>
+                </a:schemeClr>
+              </a:solidFill>
+            </a:endParaRPr>
+          </a:p>
+        </p:txBody>
+      </p:sp>
+      <p:pic>
+        <p:nvPicPr>
+          <p:cNvPr id="4" name="Google Shape;109;p27">
+            <a:extLst>
+              <a:ext uri="{FF2B5EF4-FFF2-40B4-BE49-F238E27FC236}">
+                <a16:creationId xmlns:a16="http://schemas.microsoft.com/office/drawing/2014/main" id="{EA4D6600-5010-A9D9-EEA2-2672B776C650}"/>
+              </a:ext>
+            </a:extLst>
+          </p:cNvPr>
+          <p:cNvPicPr preferRelativeResize="0"/>
+          <p:nvPr/>
+        </p:nvPicPr>
+        <p:blipFill>
+          <a:blip r:embed="rId3">
+            <a:alphaModFix/>
+          </a:blip>
+          <a:stretch>
+            <a:fillRect/>
+          </a:stretch>
+        </p:blipFill>
+        <p:spPr>
+          <a:xfrm>
+            <a:off x="0" y="-63399"/>
+            <a:ext cx="1663599" cy="1663599"/>
+          </a:xfrm>
+          <a:prstGeom prst="rect">
+            <a:avLst/>
+          </a:prstGeom>
+          <a:noFill/>
+          <a:ln>
+            <a:noFill/>
+          </a:ln>
+        </p:spPr>
+      </p:pic>
+      <p:sp>
+        <p:nvSpPr>
+          <p:cNvPr id="6" name="Title 1">
+            <a:extLst>
+              <a:ext uri="{FF2B5EF4-FFF2-40B4-BE49-F238E27FC236}">
+                <a16:creationId xmlns:a16="http://schemas.microsoft.com/office/drawing/2014/main" id="{FC15AF38-D0D0-8EFE-95B4-3F7B5E18BE9F}"/>
+              </a:ext>
+            </a:extLst>
+          </p:cNvPr>
+          <p:cNvSpPr txBox="1">
+            <a:spLocks/>
+          </p:cNvSpPr>
+          <p:nvPr/>
+        </p:nvSpPr>
+        <p:spPr>
+          <a:xfrm>
+            <a:off x="831798" y="1367449"/>
+            <a:ext cx="5492801" cy="640993"/>
+          </a:xfrm>
+          <a:prstGeom prst="rect">
+            <a:avLst/>
+          </a:prstGeom>
+        </p:spPr>
+        <p:txBody>
+          <a:bodyPr vert="horz" lIns="91440" tIns="45720" rIns="91440" bIns="45720" rtlCol="0" anchor="b">
+            <a:normAutofit fontScale="97500"/>
+          </a:bodyPr>
+          <a:lstStyle>
+            <a:lvl1pPr algn="r" defTabSz="457200" rtl="0" eaLnBrk="1" latinLnBrk="0" hangingPunct="1">
+              <a:spcBef>
+                <a:spcPct val="0"/>
+              </a:spcBef>
+              <a:buNone/>
+              <a:defRPr sz="5400" kern="1200">
+                <a:solidFill>
+                  <a:schemeClr val="accent1"/>
+                </a:solidFill>
+                <a:latin typeface="+mj-lt"/>
+                <a:ea typeface="+mj-ea"/>
+                <a:cs typeface="+mj-cs"/>
+              </a:defRPr>
+            </a:lvl1pPr>
+            <a:lvl2pPr eaLnBrk="1" hangingPunct="1">
+              <a:defRPr>
+                <a:solidFill>
+                  <a:schemeClr val="tx2"/>
+                </a:solidFill>
+              </a:defRPr>
+            </a:lvl2pPr>
+            <a:lvl3pPr eaLnBrk="1" hangingPunct="1">
+              <a:defRPr>
+                <a:solidFill>
+                  <a:schemeClr val="tx2"/>
+                </a:solidFill>
+              </a:defRPr>
+            </a:lvl3pPr>
+            <a:lvl4pPr eaLnBrk="1" hangingPunct="1">
+              <a:defRPr>
+                <a:solidFill>
+                  <a:schemeClr val="tx2"/>
+                </a:solidFill>
+              </a:defRPr>
+            </a:lvl4pPr>
+            <a:lvl5pPr eaLnBrk="1" hangingPunct="1">
+              <a:defRPr>
+                <a:solidFill>
+                  <a:schemeClr val="tx2"/>
+                </a:solidFill>
+              </a:defRPr>
+            </a:lvl5pPr>
+            <a:lvl6pPr eaLnBrk="1" hangingPunct="1">
+              <a:defRPr>
+                <a:solidFill>
+                  <a:schemeClr val="tx2"/>
+                </a:solidFill>
+              </a:defRPr>
+            </a:lvl6pPr>
+            <a:lvl7pPr eaLnBrk="1" hangingPunct="1">
+              <a:defRPr>
+                <a:solidFill>
+                  <a:schemeClr val="tx2"/>
+                </a:solidFill>
+              </a:defRPr>
+            </a:lvl7pPr>
+            <a:lvl8pPr eaLnBrk="1" hangingPunct="1">
+              <a:defRPr>
+                <a:solidFill>
+                  <a:schemeClr val="tx2"/>
+                </a:solidFill>
+              </a:defRPr>
+            </a:lvl8pPr>
+            <a:lvl9pPr eaLnBrk="1" hangingPunct="1">
+              <a:defRPr>
+                <a:solidFill>
+                  <a:schemeClr val="tx2"/>
+                </a:solidFill>
+              </a:defRPr>
+            </a:lvl9pPr>
+          </a:lstStyle>
+          <a:p>
+            <a:pPr algn="just"/>
+            <a:r>
+              <a:rPr lang="fr-CA" sz="3600" dirty="0" err="1">
+                <a:solidFill>
+                  <a:schemeClr val="accent1">
+                    <a:lumMod val="50000"/>
+                  </a:schemeClr>
+                </a:solidFill>
+              </a:rPr>
+              <a:t>Some</a:t>
+            </a:r>
+            <a:r>
+              <a:rPr lang="fr-CA" sz="3600" dirty="0">
+                <a:solidFill>
+                  <a:schemeClr val="accent1">
+                    <a:lumMod val="50000"/>
+                  </a:schemeClr>
+                </a:solidFill>
+              </a:rPr>
+              <a:t> r</a:t>
+            </a:r>
+            <a:r>
+              <a:rPr lang="en-PT" sz="3600" dirty="0">
+                <a:solidFill>
+                  <a:schemeClr val="accent1">
+                    <a:lumMod val="50000"/>
+                  </a:schemeClr>
+                </a:solidFill>
+              </a:rPr>
+              <a:t>esult</a:t>
+            </a:r>
+            <a:r>
+              <a:rPr lang="fr-CA" sz="3600" dirty="0">
+                <a:solidFill>
+                  <a:schemeClr val="accent1">
+                    <a:lumMod val="50000"/>
+                  </a:schemeClr>
+                </a:solidFill>
+              </a:rPr>
+              <a:t>s</a:t>
+            </a:r>
+            <a:endParaRPr lang="en-PT" sz="3600" dirty="0">
+              <a:solidFill>
+                <a:schemeClr val="accent1">
+                  <a:lumMod val="50000"/>
+                </a:schemeClr>
+              </a:solidFill>
+            </a:endParaRPr>
+          </a:p>
+        </p:txBody>
+      </p:sp>
+      <p:sp>
+        <p:nvSpPr>
+          <p:cNvPr id="9" name="TextBox 8">
+            <a:extLst>
+              <a:ext uri="{FF2B5EF4-FFF2-40B4-BE49-F238E27FC236}">
+                <a16:creationId xmlns:a16="http://schemas.microsoft.com/office/drawing/2014/main" id="{F6F5443D-7076-830F-E40A-E9B59AF986ED}"/>
+              </a:ext>
+            </a:extLst>
+          </p:cNvPr>
+          <p:cNvSpPr txBox="1"/>
+          <p:nvPr/>
+        </p:nvSpPr>
+        <p:spPr>
+          <a:xfrm>
+            <a:off x="6908548" y="2911594"/>
+            <a:ext cx="1055382" cy="369332"/>
+          </a:xfrm>
+          <a:prstGeom prst="rect">
+            <a:avLst/>
+          </a:prstGeom>
+          <a:noFill/>
+        </p:spPr>
+        <p:txBody>
+          <a:bodyPr wrap="square" rtlCol="0">
+            <a:spAutoFit/>
+          </a:bodyPr>
+          <a:lstStyle/>
+          <a:p>
+            <a:r>
+              <a:rPr lang="en-GB" dirty="0">
+                <a:solidFill>
+                  <a:schemeClr val="accent1">
+                    <a:lumMod val="50000"/>
+                  </a:schemeClr>
+                </a:solidFill>
+              </a:rPr>
+              <a:t>Query 1</a:t>
+            </a:r>
+          </a:p>
+        </p:txBody>
+      </p:sp>
+      <p:pic>
+        <p:nvPicPr>
+          <p:cNvPr id="5" name="Picture 4">
+            <a:extLst>
+              <a:ext uri="{FF2B5EF4-FFF2-40B4-BE49-F238E27FC236}">
+                <a16:creationId xmlns:a16="http://schemas.microsoft.com/office/drawing/2014/main" id="{DB45337C-DF54-0FD1-C262-4763C2EA50D5}"/>
+              </a:ext>
+            </a:extLst>
+          </p:cNvPr>
+          <p:cNvPicPr>
+            <a:picLocks noChangeAspect="1"/>
+          </p:cNvPicPr>
+          <p:nvPr/>
+        </p:nvPicPr>
+        <p:blipFill>
+          <a:blip r:embed="rId4"/>
+          <a:stretch>
+            <a:fillRect/>
+          </a:stretch>
+        </p:blipFill>
+        <p:spPr>
+          <a:xfrm>
+            <a:off x="385057" y="2183934"/>
+            <a:ext cx="6386282" cy="1824652"/>
+          </a:xfrm>
+          <a:prstGeom prst="rect">
+            <a:avLst/>
+          </a:prstGeom>
+        </p:spPr>
+      </p:pic>
+      <p:pic>
+        <p:nvPicPr>
+          <p:cNvPr id="11" name="Picture 10">
+            <a:extLst>
+              <a:ext uri="{FF2B5EF4-FFF2-40B4-BE49-F238E27FC236}">
+                <a16:creationId xmlns:a16="http://schemas.microsoft.com/office/drawing/2014/main" id="{48A9B8C0-82D1-638F-483F-75556DBA6BDC}"/>
+              </a:ext>
+            </a:extLst>
+          </p:cNvPr>
+          <p:cNvPicPr>
+            <a:picLocks noChangeAspect="1"/>
+          </p:cNvPicPr>
+          <p:nvPr/>
+        </p:nvPicPr>
+        <p:blipFill>
+          <a:blip r:embed="rId5"/>
+          <a:stretch>
+            <a:fillRect/>
+          </a:stretch>
+        </p:blipFill>
+        <p:spPr>
+          <a:xfrm>
+            <a:off x="6324599" y="4626616"/>
+            <a:ext cx="5535278" cy="1951461"/>
+          </a:xfrm>
+          <a:prstGeom prst="rect">
+            <a:avLst/>
+          </a:prstGeom>
+        </p:spPr>
+      </p:pic>
+      <p:sp>
+        <p:nvSpPr>
+          <p:cNvPr id="12" name="TextBox 11">
+            <a:extLst>
+              <a:ext uri="{FF2B5EF4-FFF2-40B4-BE49-F238E27FC236}">
+                <a16:creationId xmlns:a16="http://schemas.microsoft.com/office/drawing/2014/main" id="{0C72ED93-8210-927E-2F7B-C0EE59D64F23}"/>
+              </a:ext>
+            </a:extLst>
+          </p:cNvPr>
+          <p:cNvSpPr txBox="1"/>
+          <p:nvPr/>
+        </p:nvSpPr>
+        <p:spPr>
+          <a:xfrm>
+            <a:off x="5282396" y="5417680"/>
+            <a:ext cx="1055382" cy="369332"/>
+          </a:xfrm>
+          <a:prstGeom prst="rect">
+            <a:avLst/>
+          </a:prstGeom>
+          <a:noFill/>
+        </p:spPr>
+        <p:txBody>
+          <a:bodyPr wrap="square" rtlCol="0">
+            <a:spAutoFit/>
+          </a:bodyPr>
+          <a:lstStyle/>
+          <a:p>
+            <a:r>
+              <a:rPr lang="en-GB" dirty="0">
+                <a:solidFill>
+                  <a:schemeClr val="accent1">
+                    <a:lumMod val="50000"/>
+                  </a:schemeClr>
+                </a:solidFill>
+              </a:rPr>
+              <a:t>Query 2</a:t>
+            </a:r>
+          </a:p>
+        </p:txBody>
+      </p:sp>
+    </p:spTree>
+    <p:extLst>
+      <p:ext uri="{BB962C8B-B14F-4D97-AF65-F5344CB8AC3E}">
+        <p14:creationId xmlns:p14="http://schemas.microsoft.com/office/powerpoint/2010/main" val="2426769791"/>
+      </p:ext>
+    </p:extLst>
+  </p:cSld>
+  <p:clrMapOvr>
+    <a:masterClrMapping/>
+  </p:clrMapOvr>
+</p:sld>
+</file>
+
+<file path=ppt/slides/slide6.xml><?xml version="1.0" encoding="utf-8"?>
+<p:sld xmlns:a="http://schemas.openxmlformats.org/drawingml/2006/main" xmlns:r="http://schemas.openxmlformats.org/officeDocument/2006/relationships" xmlns:p="http://schemas.openxmlformats.org/presentationml/2006/main">
+  <p:cSld>
+    <p:spTree>
+      <p:nvGrpSpPr>
+        <p:cNvPr id="1" name=""/>
+        <p:cNvGrpSpPr/>
+        <p:nvPr/>
+      </p:nvGrpSpPr>
+      <p:grpSpPr>
+        <a:xfrm>
+          <a:off x="0" y="0"/>
+          <a:ext cx="0" cy="0"/>
+          <a:chOff x="0" y="0"/>
+          <a:chExt cx="0" cy="0"/>
+        </a:xfrm>
+      </p:grpSpPr>
+      <p:sp>
+        <p:nvSpPr>
+          <p:cNvPr id="2" name="Title 1">
+            <a:extLst>
+              <a:ext uri="{FF2B5EF4-FFF2-40B4-BE49-F238E27FC236}">
+                <a16:creationId xmlns:a16="http://schemas.microsoft.com/office/drawing/2014/main" id="{3BEF93F7-D45B-68F7-4E28-0844B627DDA5}"/>
+              </a:ext>
+            </a:extLst>
+          </p:cNvPr>
+          <p:cNvSpPr>
+            <a:spLocks noGrp="1"/>
+          </p:cNvSpPr>
+          <p:nvPr>
+            <p:ph type="ctrTitle"/>
+          </p:nvPr>
+        </p:nvSpPr>
+        <p:spPr>
+          <a:xfrm>
+            <a:off x="1663599" y="351095"/>
+            <a:ext cx="7837589" cy="847114"/>
+          </a:xfrm>
+        </p:spPr>
+        <p:txBody>
+          <a:bodyPr>
+            <a:noAutofit/>
+          </a:bodyPr>
+          <a:lstStyle/>
+          <a:p>
+            <a:pPr algn="l"/>
+            <a:r>
+              <a:rPr lang="en-PT" sz="3200" dirty="0">
+                <a:solidFill>
+                  <a:schemeClr val="accent1">
+                    <a:lumMod val="50000"/>
+                  </a:schemeClr>
+                </a:solidFill>
+              </a:rPr>
+              <a:t>Project 3 – Data Clean </a:t>
+            </a:r>
+            <a:br>
+              <a:rPr lang="en-PT" sz="3200" dirty="0">
+                <a:solidFill>
+                  <a:schemeClr val="accent1">
+                    <a:lumMod val="50000"/>
+                  </a:schemeClr>
+                </a:solidFill>
+              </a:rPr>
+            </a:br>
+            <a:r>
+              <a:rPr lang="en-GB" sz="3200" dirty="0">
+                <a:solidFill>
+                  <a:schemeClr val="accent1">
+                    <a:lumMod val="50000"/>
+                  </a:schemeClr>
+                </a:solidFill>
+              </a:rPr>
+              <a:t>Entrepreneurial competency</a:t>
+            </a:r>
+            <a:endParaRPr lang="en-PT" sz="3200" dirty="0">
+              <a:solidFill>
+                <a:schemeClr val="accent1">
+                  <a:lumMod val="50000"/>
+                </a:schemeClr>
+              </a:solidFill>
+            </a:endParaRPr>
+          </a:p>
+        </p:txBody>
+      </p:sp>
+      <p:pic>
+        <p:nvPicPr>
+          <p:cNvPr id="4" name="Google Shape;109;p27">
+            <a:extLst>
+              <a:ext uri="{FF2B5EF4-FFF2-40B4-BE49-F238E27FC236}">
+                <a16:creationId xmlns:a16="http://schemas.microsoft.com/office/drawing/2014/main" id="{EA4D6600-5010-A9D9-EEA2-2672B776C650}"/>
+              </a:ext>
+            </a:extLst>
+          </p:cNvPr>
+          <p:cNvPicPr preferRelativeResize="0"/>
+          <p:nvPr/>
+        </p:nvPicPr>
+        <p:blipFill>
+          <a:blip r:embed="rId3">
+            <a:alphaModFix/>
+          </a:blip>
+          <a:stretch>
+            <a:fillRect/>
+          </a:stretch>
+        </p:blipFill>
+        <p:spPr>
+          <a:xfrm>
+            <a:off x="0" y="-63399"/>
+            <a:ext cx="1663599" cy="1663599"/>
+          </a:xfrm>
+          <a:prstGeom prst="rect">
+            <a:avLst/>
+          </a:prstGeom>
+          <a:noFill/>
+          <a:ln>
+            <a:noFill/>
+          </a:ln>
+        </p:spPr>
+      </p:pic>
+      <p:sp>
+        <p:nvSpPr>
+          <p:cNvPr id="6" name="Title 1">
+            <a:extLst>
+              <a:ext uri="{FF2B5EF4-FFF2-40B4-BE49-F238E27FC236}">
+                <a16:creationId xmlns:a16="http://schemas.microsoft.com/office/drawing/2014/main" id="{FC15AF38-D0D0-8EFE-95B4-3F7B5E18BE9F}"/>
+              </a:ext>
+            </a:extLst>
+          </p:cNvPr>
+          <p:cNvSpPr txBox="1">
+            <a:spLocks/>
+          </p:cNvSpPr>
+          <p:nvPr/>
+        </p:nvSpPr>
+        <p:spPr>
+          <a:xfrm>
+            <a:off x="831798" y="1367449"/>
+            <a:ext cx="5492801" cy="640993"/>
+          </a:xfrm>
+          <a:prstGeom prst="rect">
+            <a:avLst/>
+          </a:prstGeom>
+        </p:spPr>
+        <p:txBody>
+          <a:bodyPr vert="horz" lIns="91440" tIns="45720" rIns="91440" bIns="45720" rtlCol="0" anchor="b">
+            <a:normAutofit fontScale="97500"/>
+          </a:bodyPr>
+          <a:lstStyle>
+            <a:lvl1pPr algn="r" defTabSz="457200" rtl="0" eaLnBrk="1" latinLnBrk="0" hangingPunct="1">
+              <a:spcBef>
+                <a:spcPct val="0"/>
+              </a:spcBef>
+              <a:buNone/>
+              <a:defRPr sz="5400" kern="1200">
+                <a:solidFill>
+                  <a:schemeClr val="accent1"/>
+                </a:solidFill>
+                <a:latin typeface="+mj-lt"/>
+                <a:ea typeface="+mj-ea"/>
+                <a:cs typeface="+mj-cs"/>
+              </a:defRPr>
+            </a:lvl1pPr>
+            <a:lvl2pPr eaLnBrk="1" hangingPunct="1">
+              <a:defRPr>
+                <a:solidFill>
+                  <a:schemeClr val="tx2"/>
+                </a:solidFill>
+              </a:defRPr>
+            </a:lvl2pPr>
+            <a:lvl3pPr eaLnBrk="1" hangingPunct="1">
+              <a:defRPr>
+                <a:solidFill>
+                  <a:schemeClr val="tx2"/>
+                </a:solidFill>
+              </a:defRPr>
+            </a:lvl3pPr>
+            <a:lvl4pPr eaLnBrk="1" hangingPunct="1">
+              <a:defRPr>
+                <a:solidFill>
+                  <a:schemeClr val="tx2"/>
+                </a:solidFill>
+              </a:defRPr>
+            </a:lvl4pPr>
+            <a:lvl5pPr eaLnBrk="1" hangingPunct="1">
+              <a:defRPr>
+                <a:solidFill>
+                  <a:schemeClr val="tx2"/>
+                </a:solidFill>
+              </a:defRPr>
+            </a:lvl5pPr>
+            <a:lvl6pPr eaLnBrk="1" hangingPunct="1">
+              <a:defRPr>
+                <a:solidFill>
+                  <a:schemeClr val="tx2"/>
+                </a:solidFill>
+              </a:defRPr>
+            </a:lvl6pPr>
+            <a:lvl7pPr eaLnBrk="1" hangingPunct="1">
+              <a:defRPr>
+                <a:solidFill>
+                  <a:schemeClr val="tx2"/>
+                </a:solidFill>
+              </a:defRPr>
+            </a:lvl7pPr>
+            <a:lvl8pPr eaLnBrk="1" hangingPunct="1">
+              <a:defRPr>
+                <a:solidFill>
+                  <a:schemeClr val="tx2"/>
+                </a:solidFill>
+              </a:defRPr>
+            </a:lvl8pPr>
+            <a:lvl9pPr eaLnBrk="1" hangingPunct="1">
+              <a:defRPr>
+                <a:solidFill>
+                  <a:schemeClr val="tx2"/>
+                </a:solidFill>
+              </a:defRPr>
+            </a:lvl9pPr>
+          </a:lstStyle>
+          <a:p>
+            <a:pPr algn="just"/>
+            <a:r>
+              <a:rPr lang="en-PT" sz="3600" dirty="0">
+                <a:solidFill>
+                  <a:schemeClr val="accent1">
+                    <a:lumMod val="50000"/>
+                  </a:schemeClr>
+                </a:solidFill>
+              </a:rPr>
+              <a:t>Demo</a:t>
+            </a:r>
+          </a:p>
+        </p:txBody>
+      </p:sp>
+      <p:pic>
+        <p:nvPicPr>
+          <p:cNvPr id="7" name="Picture 6">
+            <a:extLst>
+              <a:ext uri="{FF2B5EF4-FFF2-40B4-BE49-F238E27FC236}">
+                <a16:creationId xmlns:a16="http://schemas.microsoft.com/office/drawing/2014/main" id="{018DE9D6-5CF5-6C9D-E02A-573C94E28F87}"/>
+              </a:ext>
+            </a:extLst>
+          </p:cNvPr>
+          <p:cNvPicPr>
+            <a:picLocks noChangeAspect="1"/>
+          </p:cNvPicPr>
+          <p:nvPr/>
+        </p:nvPicPr>
+        <p:blipFill rotWithShape="1">
+          <a:blip r:embed="rId4"/>
+          <a:srcRect r="11149" b="6819"/>
+          <a:stretch/>
+        </p:blipFill>
+        <p:spPr>
+          <a:xfrm>
+            <a:off x="969666" y="2436044"/>
+            <a:ext cx="8395398" cy="2618277"/>
+          </a:xfrm>
+          <a:prstGeom prst="rect">
+            <a:avLst/>
+          </a:prstGeom>
+        </p:spPr>
+      </p:pic>
+    </p:spTree>
+    <p:extLst>
+      <p:ext uri="{BB962C8B-B14F-4D97-AF65-F5344CB8AC3E}">
+        <p14:creationId xmlns:p14="http://schemas.microsoft.com/office/powerpoint/2010/main" val="690251505"/>
+      </p:ext>
+    </p:extLst>
+  </p:cSld>
+  <p:clrMapOvr>
+    <a:masterClrMapping/>
+  </p:clrMapOvr>
+</p:sld>
+</file>
+
+<file path=ppt/slides/slide7.xml><?xml version="1.0" encoding="utf-8"?>
+<p:sld xmlns:a="http://schemas.openxmlformats.org/drawingml/2006/main" xmlns:r="http://schemas.openxmlformats.org/officeDocument/2006/relationships" xmlns:p="http://schemas.openxmlformats.org/presentationml/2006/main">
+  <p:cSld>
+    <p:spTree>
+      <p:nvGrpSpPr>
+        <p:cNvPr id="1" name=""/>
+        <p:cNvGrpSpPr/>
+        <p:nvPr/>
+      </p:nvGrpSpPr>
+      <p:grpSpPr>
+        <a:xfrm>
+          <a:off x="0" y="0"/>
+          <a:ext cx="0" cy="0"/>
+          <a:chOff x="0" y="0"/>
+          <a:chExt cx="0" cy="0"/>
+        </a:xfrm>
+      </p:grpSpPr>
+      <p:sp>
+        <p:nvSpPr>
+          <p:cNvPr id="2" name="Title 1">
+            <a:extLst>
+              <a:ext uri="{FF2B5EF4-FFF2-40B4-BE49-F238E27FC236}">
+                <a16:creationId xmlns:a16="http://schemas.microsoft.com/office/drawing/2014/main" id="{3BEF93F7-D45B-68F7-4E28-0844B627DDA5}"/>
+              </a:ext>
+            </a:extLst>
+          </p:cNvPr>
+          <p:cNvSpPr>
+            <a:spLocks noGrp="1"/>
+          </p:cNvSpPr>
+          <p:nvPr>
+            <p:ph type="ctrTitle"/>
+          </p:nvPr>
+        </p:nvSpPr>
+        <p:spPr>
+          <a:xfrm>
+            <a:off x="1663597" y="351095"/>
+            <a:ext cx="7837589" cy="847114"/>
+          </a:xfrm>
+        </p:spPr>
+        <p:txBody>
+          <a:bodyPr>
+            <a:normAutofit fontScale="90000"/>
+          </a:bodyPr>
+          <a:lstStyle/>
+          <a:p>
+            <a:pPr algn="l"/>
+            <a:r>
+              <a:rPr lang="en-PT" sz="3600" dirty="0">
+                <a:solidFill>
+                  <a:schemeClr val="accent1">
+                    <a:lumMod val="50000"/>
+                  </a:schemeClr>
+                </a:solidFill>
+              </a:rPr>
+              <a:t>Project 3 – Data Clean </a:t>
+            </a:r>
+            <a:br>
+              <a:rPr lang="en-PT" sz="3600" dirty="0">
+                <a:solidFill>
+                  <a:schemeClr val="accent1">
+                    <a:lumMod val="50000"/>
+                  </a:schemeClr>
+                </a:solidFill>
+              </a:rPr>
+            </a:br>
+            <a:r>
+              <a:rPr lang="en-GB" sz="3600" dirty="0">
+                <a:solidFill>
+                  <a:schemeClr val="accent1">
+                    <a:lumMod val="50000"/>
+                  </a:schemeClr>
+                </a:solidFill>
+              </a:rPr>
+              <a:t>Entrepreneurial competency</a:t>
+            </a:r>
+            <a:endParaRPr lang="en-PT" sz="3600" dirty="0">
               <a:solidFill>
                 <a:schemeClr val="accent1">
                   <a:lumMod val="50000"/>
@@ -8402,10 +8750,10 @@
       </p:pic>
       <p:sp>
         <p:nvSpPr>
-          <p:cNvPr id="6" name="Title 1">
+          <p:cNvPr id="7" name="Title 1">
             <a:extLst>
               <a:ext uri="{FF2B5EF4-FFF2-40B4-BE49-F238E27FC236}">
-                <a16:creationId xmlns:a16="http://schemas.microsoft.com/office/drawing/2014/main" id="{FC15AF38-D0D0-8EFE-95B4-3F7B5E18BE9F}"/>
+                <a16:creationId xmlns:a16="http://schemas.microsoft.com/office/drawing/2014/main" id="{42463987-47E0-040E-3AE3-52551354130E}"/>
               </a:ext>
             </a:extLst>
           </p:cNvPr>
@@ -8425,439 +8773,6 @@
         </p:spPr>
         <p:txBody>
           <a:bodyPr vert="horz" lIns="91440" tIns="45720" rIns="91440" bIns="45720" rtlCol="0" anchor="b">
-            <a:normAutofit fontScale="75000" lnSpcReduction="20000"/>
-          </a:bodyPr>
-          <a:lstStyle>
-            <a:lvl1pPr algn="r" defTabSz="457200" rtl="0" eaLnBrk="1" latinLnBrk="0" hangingPunct="1">
-              <a:spcBef>
-                <a:spcPct val="0"/>
-              </a:spcBef>
-              <a:buNone/>
-              <a:defRPr sz="5400" kern="1200">
-                <a:solidFill>
-                  <a:schemeClr val="accent1"/>
-                </a:solidFill>
-                <a:latin typeface="+mj-lt"/>
-                <a:ea typeface="+mj-ea"/>
-                <a:cs typeface="+mj-cs"/>
-              </a:defRPr>
-            </a:lvl1pPr>
-            <a:lvl2pPr eaLnBrk="1" hangingPunct="1">
-              <a:defRPr>
-                <a:solidFill>
-                  <a:schemeClr val="tx2"/>
-                </a:solidFill>
-              </a:defRPr>
-            </a:lvl2pPr>
-            <a:lvl3pPr eaLnBrk="1" hangingPunct="1">
-              <a:defRPr>
-                <a:solidFill>
-                  <a:schemeClr val="tx2"/>
-                </a:solidFill>
-              </a:defRPr>
-            </a:lvl3pPr>
-            <a:lvl4pPr eaLnBrk="1" hangingPunct="1">
-              <a:defRPr>
-                <a:solidFill>
-                  <a:schemeClr val="tx2"/>
-                </a:solidFill>
-              </a:defRPr>
-            </a:lvl4pPr>
-            <a:lvl5pPr eaLnBrk="1" hangingPunct="1">
-              <a:defRPr>
-                <a:solidFill>
-                  <a:schemeClr val="tx2"/>
-                </a:solidFill>
-              </a:defRPr>
-            </a:lvl5pPr>
-            <a:lvl6pPr eaLnBrk="1" hangingPunct="1">
-              <a:defRPr>
-                <a:solidFill>
-                  <a:schemeClr val="tx2"/>
-                </a:solidFill>
-              </a:defRPr>
-            </a:lvl6pPr>
-            <a:lvl7pPr eaLnBrk="1" hangingPunct="1">
-              <a:defRPr>
-                <a:solidFill>
-                  <a:schemeClr val="tx2"/>
-                </a:solidFill>
-              </a:defRPr>
-            </a:lvl7pPr>
-            <a:lvl8pPr eaLnBrk="1" hangingPunct="1">
-              <a:defRPr>
-                <a:solidFill>
-                  <a:schemeClr val="tx2"/>
-                </a:solidFill>
-              </a:defRPr>
-            </a:lvl8pPr>
-            <a:lvl9pPr eaLnBrk="1" hangingPunct="1">
-              <a:defRPr>
-                <a:solidFill>
-                  <a:schemeClr val="tx2"/>
-                </a:solidFill>
-              </a:defRPr>
-            </a:lvl9pPr>
-          </a:lstStyle>
-          <a:p>
-            <a:pPr algn="just"/>
-            <a:r>
-              <a:rPr lang="en-PT" sz="3600" dirty="0">
-                <a:solidFill>
-                  <a:schemeClr val="accent1">
-                    <a:lumMod val="50000"/>
-                  </a:schemeClr>
-                </a:solidFill>
-              </a:rPr>
-              <a:t>Descripton of the Database</a:t>
-            </a:r>
-          </a:p>
-        </p:txBody>
-      </p:sp>
-      <p:sp>
-        <p:nvSpPr>
-          <p:cNvPr id="7" name="TextBox 6">
-            <a:extLst>
-              <a:ext uri="{FF2B5EF4-FFF2-40B4-BE49-F238E27FC236}">
-                <a16:creationId xmlns:a16="http://schemas.microsoft.com/office/drawing/2014/main" id="{91CEC082-F482-91B6-E757-D849C0225358}"/>
-              </a:ext>
-            </a:extLst>
-          </p:cNvPr>
-          <p:cNvSpPr txBox="1"/>
-          <p:nvPr/>
-        </p:nvSpPr>
-        <p:spPr>
-          <a:xfrm>
-            <a:off x="988963" y="2183934"/>
-            <a:ext cx="8512225" cy="3970318"/>
-          </a:xfrm>
-          <a:prstGeom prst="rect">
-            <a:avLst/>
-          </a:prstGeom>
-          <a:noFill/>
-        </p:spPr>
-        <p:txBody>
-          <a:bodyPr wrap="square" rtlCol="0">
-            <a:spAutoFit/>
-          </a:bodyPr>
-          <a:lstStyle/>
-          <a:p>
-            <a:r>
-              <a:rPr lang="en-GB" dirty="0">
-                <a:solidFill>
-                  <a:schemeClr val="accent1">
-                    <a:lumMod val="50000"/>
-                  </a:schemeClr>
-                </a:solidFill>
-              </a:rPr>
-              <a:t>We created a composite indicator from R&amp;D and economic statistics.</a:t>
-            </a:r>
-          </a:p>
-          <a:p>
-            <a:endParaRPr lang="en-GB" dirty="0">
-              <a:solidFill>
-                <a:schemeClr val="accent1">
-                  <a:lumMod val="50000"/>
-                </a:schemeClr>
-              </a:solidFill>
-            </a:endParaRPr>
-          </a:p>
-          <a:p>
-            <a:r>
-              <a:rPr lang="en-GB" dirty="0">
-                <a:solidFill>
-                  <a:schemeClr val="accent1">
-                    <a:lumMod val="50000"/>
-                  </a:schemeClr>
-                </a:solidFill>
-              </a:rPr>
-              <a:t>The data was scraped from the World Bank database via an API wrapper.</a:t>
-            </a:r>
-          </a:p>
-          <a:p>
-            <a:endParaRPr lang="en-GB" dirty="0">
-              <a:solidFill>
-                <a:schemeClr val="accent1">
-                  <a:lumMod val="50000"/>
-                </a:schemeClr>
-              </a:solidFill>
-            </a:endParaRPr>
-          </a:p>
-          <a:p>
-            <a:r>
-              <a:rPr lang="en-GB" dirty="0">
-                <a:solidFill>
-                  <a:schemeClr val="accent1">
-                    <a:lumMod val="50000"/>
-                  </a:schemeClr>
-                </a:solidFill>
-              </a:rPr>
-              <a:t>Our composite indicator was made using the following:</a:t>
-            </a:r>
-          </a:p>
-          <a:p>
-            <a:pPr marL="285750" indent="-285750">
-              <a:buFont typeface="Arial" panose="020B0604020202020204" pitchFamily="34" charset="0"/>
-              <a:buChar char="•"/>
-            </a:pPr>
-            <a:r>
-              <a:rPr lang="en-GB" dirty="0">
-                <a:solidFill>
-                  <a:schemeClr val="accent1">
-                    <a:lumMod val="50000"/>
-                  </a:schemeClr>
-                </a:solidFill>
-              </a:rPr>
-              <a:t>Research and development expenditure (% of GDP)</a:t>
-            </a:r>
-          </a:p>
-          <a:p>
-            <a:pPr marL="285750" indent="-285750">
-              <a:buFont typeface="Arial" panose="020B0604020202020204" pitchFamily="34" charset="0"/>
-              <a:buChar char="•"/>
-            </a:pPr>
-            <a:r>
-              <a:rPr lang="en-GB" dirty="0">
-                <a:solidFill>
-                  <a:schemeClr val="accent1">
-                    <a:lumMod val="50000"/>
-                  </a:schemeClr>
-                </a:solidFill>
-              </a:rPr>
-              <a:t>High-technology exports (% of manufactured exports)</a:t>
-            </a:r>
-          </a:p>
-          <a:p>
-            <a:pPr marL="285750" indent="-285750">
-              <a:buFont typeface="Arial" panose="020B0604020202020204" pitchFamily="34" charset="0"/>
-              <a:buChar char="•"/>
-            </a:pPr>
-            <a:r>
-              <a:rPr lang="en-GB" dirty="0">
-                <a:solidFill>
-                  <a:schemeClr val="accent1">
-                    <a:lumMod val="50000"/>
-                  </a:schemeClr>
-                </a:solidFill>
-              </a:rPr>
-              <a:t>Scientific and technical journal articles</a:t>
-            </a:r>
-          </a:p>
-          <a:p>
-            <a:pPr marL="285750" indent="-285750">
-              <a:buFont typeface="Arial" panose="020B0604020202020204" pitchFamily="34" charset="0"/>
-              <a:buChar char="•"/>
-            </a:pPr>
-            <a:r>
-              <a:rPr lang="en-GB" dirty="0">
-                <a:solidFill>
-                  <a:schemeClr val="accent1">
-                    <a:lumMod val="50000"/>
-                  </a:schemeClr>
-                </a:solidFill>
-              </a:rPr>
-              <a:t>Patent applications, residents</a:t>
-            </a:r>
-          </a:p>
-          <a:p>
-            <a:pPr marL="285750" indent="-285750">
-              <a:buFont typeface="Arial" panose="020B0604020202020204" pitchFamily="34" charset="0"/>
-              <a:buChar char="•"/>
-            </a:pPr>
-            <a:r>
-              <a:rPr lang="en-GB" dirty="0">
-                <a:solidFill>
-                  <a:schemeClr val="accent1">
-                    <a:lumMod val="50000"/>
-                  </a:schemeClr>
-                </a:solidFill>
-              </a:rPr>
-              <a:t>Patent applications, non-residents</a:t>
-            </a:r>
-          </a:p>
-          <a:p>
-            <a:endParaRPr lang="en-GB" dirty="0">
-              <a:solidFill>
-                <a:schemeClr val="accent1">
-                  <a:lumMod val="50000"/>
-                </a:schemeClr>
-              </a:solidFill>
-            </a:endParaRPr>
-          </a:p>
-          <a:p>
-            <a:r>
-              <a:rPr lang="en-GB" dirty="0">
-                <a:solidFill>
-                  <a:schemeClr val="accent1">
-                    <a:lumMod val="50000"/>
-                  </a:schemeClr>
-                </a:solidFill>
-              </a:rPr>
-              <a:t>The 10 countries selected are European with the addition of the US, Japan, and Israel as outliers for comparison. </a:t>
-            </a:r>
-          </a:p>
-          <a:p>
-            <a:r>
-              <a:rPr lang="en-GB" dirty="0">
-                <a:solidFill>
-                  <a:schemeClr val="accent1">
-                    <a:lumMod val="50000"/>
-                  </a:schemeClr>
-                </a:solidFill>
-              </a:rPr>
-              <a:t>We attempted to screen for a contrast between Southern &amp; Northern Europe.</a:t>
-            </a:r>
-          </a:p>
-        </p:txBody>
-      </p:sp>
-    </p:spTree>
-    <p:extLst>
-      <p:ext uri="{BB962C8B-B14F-4D97-AF65-F5344CB8AC3E}">
-        <p14:creationId xmlns:p14="http://schemas.microsoft.com/office/powerpoint/2010/main" val="152402000"/>
-      </p:ext>
-    </p:extLst>
-  </p:cSld>
-  <p:clrMapOvr>
-    <a:masterClrMapping/>
-  </p:clrMapOvr>
-</p:sld>
-</file>
-
-<file path=ppt/slides/slide5.xml><?xml version="1.0" encoding="utf-8"?>
-<p:sld xmlns:a="http://schemas.openxmlformats.org/drawingml/2006/main" xmlns:r="http://schemas.openxmlformats.org/officeDocument/2006/relationships" xmlns:p="http://schemas.openxmlformats.org/presentationml/2006/main">
-  <p:cSld>
-    <p:spTree>
-      <p:nvGrpSpPr>
-        <p:cNvPr id="1" name=""/>
-        <p:cNvGrpSpPr/>
-        <p:nvPr/>
-      </p:nvGrpSpPr>
-      <p:grpSpPr>
-        <a:xfrm>
-          <a:off x="0" y="0"/>
-          <a:ext cx="0" cy="0"/>
-          <a:chOff x="0" y="0"/>
-          <a:chExt cx="0" cy="0"/>
-        </a:xfrm>
-      </p:grpSpPr>
-      <p:sp>
-        <p:nvSpPr>
-          <p:cNvPr id="2" name="Title 1">
-            <a:extLst>
-              <a:ext uri="{FF2B5EF4-FFF2-40B4-BE49-F238E27FC236}">
-                <a16:creationId xmlns:a16="http://schemas.microsoft.com/office/drawing/2014/main" id="{3BEF93F7-D45B-68F7-4E28-0844B627DDA5}"/>
-              </a:ext>
-            </a:extLst>
-          </p:cNvPr>
-          <p:cNvSpPr>
-            <a:spLocks noGrp="1"/>
-          </p:cNvSpPr>
-          <p:nvPr>
-            <p:ph type="ctrTitle"/>
-          </p:nvPr>
-        </p:nvSpPr>
-        <p:spPr>
-          <a:xfrm>
-            <a:off x="1663599" y="344843"/>
-            <a:ext cx="7837589" cy="847114"/>
-          </a:xfrm>
-        </p:spPr>
-        <p:txBody>
-          <a:bodyPr>
-            <a:noAutofit/>
-          </a:bodyPr>
-          <a:lstStyle/>
-          <a:p>
-            <a:pPr algn="just"/>
-            <a:r>
-              <a:rPr lang="en-PT" sz="3200" dirty="0">
-                <a:solidFill>
-                  <a:schemeClr val="accent1">
-                    <a:lumMod val="50000"/>
-                  </a:schemeClr>
-                </a:solidFill>
-              </a:rPr>
-              <a:t>Project 2 - </a:t>
-            </a:r>
-            <a:r>
-              <a:rPr lang="en-GB" sz="3200" b="1" dirty="0">
-                <a:solidFill>
-                  <a:schemeClr val="accent1">
-                    <a:lumMod val="50000"/>
-                  </a:schemeClr>
-                </a:solidFill>
-              </a:rPr>
-              <a:t>Creating Database in MYSQL</a:t>
-            </a:r>
-            <a:endParaRPr lang="en-PT" sz="3200" dirty="0">
-              <a:solidFill>
-                <a:schemeClr val="accent1">
-                  <a:lumMod val="50000"/>
-                </a:schemeClr>
-              </a:solidFill>
-            </a:endParaRPr>
-          </a:p>
-        </p:txBody>
-      </p:sp>
-      <p:pic>
-        <p:nvPicPr>
-          <p:cNvPr id="4" name="Google Shape;109;p27">
-            <a:extLst>
-              <a:ext uri="{FF2B5EF4-FFF2-40B4-BE49-F238E27FC236}">
-                <a16:creationId xmlns:a16="http://schemas.microsoft.com/office/drawing/2014/main" id="{EA4D6600-5010-A9D9-EEA2-2672B776C650}"/>
-              </a:ext>
-            </a:extLst>
-          </p:cNvPr>
-          <p:cNvPicPr preferRelativeResize="0"/>
-          <p:nvPr/>
-        </p:nvPicPr>
-        <p:blipFill>
-          <a:blip r:embed="rId3">
-            <a:alphaModFix/>
-          </a:blip>
-          <a:stretch>
-            <a:fillRect/>
-          </a:stretch>
-        </p:blipFill>
-        <p:spPr>
-          <a:xfrm>
-            <a:off x="0" y="-63399"/>
-            <a:ext cx="1663599" cy="1663599"/>
-          </a:xfrm>
-          <a:prstGeom prst="rect">
-            <a:avLst/>
-          </a:prstGeom>
-          <a:noFill/>
-          <a:ln>
-            <a:noFill/>
-          </a:ln>
-        </p:spPr>
-      </p:pic>
-      <p:sp>
-        <p:nvSpPr>
-          <p:cNvPr id="6" name="Title 1">
-            <a:extLst>
-              <a:ext uri="{FF2B5EF4-FFF2-40B4-BE49-F238E27FC236}">
-                <a16:creationId xmlns:a16="http://schemas.microsoft.com/office/drawing/2014/main" id="{FC15AF38-D0D0-8EFE-95B4-3F7B5E18BE9F}"/>
-              </a:ext>
-            </a:extLst>
-          </p:cNvPr>
-          <p:cNvSpPr txBox="1">
-            <a:spLocks/>
-          </p:cNvSpPr>
-          <p:nvPr/>
-        </p:nvSpPr>
-        <p:spPr>
-          <a:xfrm>
-            <a:off x="831798" y="1367449"/>
-            <a:ext cx="5492801" cy="640993"/>
-          </a:xfrm>
-          <a:prstGeom prst="rect">
-            <a:avLst/>
-          </a:prstGeom>
-        </p:spPr>
-        <p:txBody>
-          <a:bodyPr vert="horz" lIns="91440" tIns="45720" rIns="91440" bIns="45720" rtlCol="0" anchor="b">
             <a:normAutofit fontScale="97500"/>
           </a:bodyPr>
           <a:lstStyle>
@@ -8933,26 +8848,20 @@
             </a:lvl9pPr>
           </a:lstStyle>
           <a:p>
-            <a:pPr algn="just"/>
-            <a:r>
-              <a:rPr lang="en-PT" sz="3600" dirty="0">
-                <a:solidFill>
-                  <a:schemeClr val="accent1">
-                    <a:lumMod val="50000"/>
-                  </a:schemeClr>
-                </a:solidFill>
-              </a:rPr>
-              <a:t>SQL – Script - Queries</a:t>
-            </a:r>
-          </a:p>
-        </p:txBody>
-      </p:sp>
-      <p:sp>
-        <p:nvSpPr>
-          <p:cNvPr id="7" name="TextBox 6">
+            <a:pPr algn="l"/>
+            <a:r>
+              <a:rPr lang="en-PT" sz="3600" dirty="0"/>
+              <a:t>Questions</a:t>
+            </a:r>
+          </a:p>
+        </p:txBody>
+      </p:sp>
+      <p:sp>
+        <p:nvSpPr>
+          <p:cNvPr id="9" name="TextBox 8">
             <a:extLst>
               <a:ext uri="{FF2B5EF4-FFF2-40B4-BE49-F238E27FC236}">
-                <a16:creationId xmlns:a16="http://schemas.microsoft.com/office/drawing/2014/main" id="{91CEC082-F482-91B6-E757-D849C0225358}"/>
+                <a16:creationId xmlns:a16="http://schemas.microsoft.com/office/drawing/2014/main" id="{19A631F6-F8A1-03BF-C202-7DA05A6FA6AB}"/>
               </a:ext>
             </a:extLst>
           </p:cNvPr>
@@ -8961,8 +8870,8 @@
         </p:nvSpPr>
         <p:spPr>
           <a:xfrm>
-            <a:off x="988963" y="2183934"/>
-            <a:ext cx="8512225" cy="3693319"/>
+            <a:off x="4517973" y="2379315"/>
+            <a:ext cx="2128839" cy="2585323"/>
           </a:xfrm>
           <a:prstGeom prst="rect">
             <a:avLst/>
@@ -8975,813 +8884,53 @@
           </a:bodyPr>
           <a:lstStyle/>
           <a:p>
-            <a:pPr marL="285750" indent="-285750">
-              <a:buFont typeface="Arial" panose="020B0604020202020204" pitchFamily="34" charset="0"/>
-              <a:buChar char="•"/>
-            </a:pPr>
-            <a:r>
-              <a:rPr lang="en-GB" dirty="0">
-                <a:solidFill>
-                  <a:schemeClr val="accent1">
-                    <a:lumMod val="50000"/>
-                  </a:schemeClr>
-                </a:solidFill>
+            <a:pPr algn="ctr"/>
+            <a:r>
+              <a:rPr lang="en-PT" sz="5400" dirty="0">
+                <a:solidFill>
+                  <a:schemeClr val="accent1"/>
+                </a:solidFill>
+                <a:latin typeface="+mj-lt"/>
+                <a:ea typeface="+mj-ea"/>
+                <a:cs typeface="+mj-cs"/>
               </a:rPr>
-              <a:t>Creation of database</a:t>
-            </a:r>
-          </a:p>
-          <a:p>
-            <a:endParaRPr lang="en-GB" dirty="0">
-              <a:solidFill>
-                <a:schemeClr val="accent1">
-                  <a:lumMod val="50000"/>
-                </a:schemeClr>
-              </a:solidFill>
-            </a:endParaRPr>
-          </a:p>
-          <a:p>
-            <a:pPr marL="285750" indent="-285750">
-              <a:buFont typeface="Arial" panose="020B0604020202020204" pitchFamily="34" charset="0"/>
-              <a:buChar char="•"/>
-            </a:pPr>
-            <a:r>
-              <a:rPr lang="en-GB" dirty="0">
-                <a:solidFill>
-                  <a:schemeClr val="accent1">
-                    <a:lumMod val="50000"/>
-                  </a:schemeClr>
-                </a:solidFill>
+              <a:t>Q &amp; A</a:t>
+            </a:r>
+          </a:p>
+          <a:p>
+            <a:pPr algn="ctr"/>
+            <a:r>
+              <a:rPr lang="en-PT" sz="5400" dirty="0">
+                <a:solidFill>
+                  <a:schemeClr val="accent1"/>
+                </a:solidFill>
+                <a:latin typeface="+mj-lt"/>
+                <a:ea typeface="+mj-ea"/>
+                <a:cs typeface="+mj-cs"/>
               </a:rPr>
-              <a:t>Creation of tables of database</a:t>
-            </a:r>
-          </a:p>
-          <a:p>
-            <a:endParaRPr lang="en-GB" dirty="0">
-              <a:solidFill>
-                <a:schemeClr val="accent1">
-                  <a:lumMod val="50000"/>
-                </a:schemeClr>
-              </a:solidFill>
-            </a:endParaRPr>
-          </a:p>
-          <a:p>
-            <a:pPr marL="285750" indent="-285750">
-              <a:buFont typeface="Arial" panose="020B0604020202020204" pitchFamily="34" charset="0"/>
-              <a:buChar char="•"/>
-            </a:pPr>
-            <a:r>
-              <a:rPr lang="en-GB" dirty="0">
-                <a:solidFill>
-                  <a:schemeClr val="accent1">
-                    <a:lumMod val="50000"/>
-                  </a:schemeClr>
-                </a:solidFill>
+              <a:t> </a:t>
+            </a:r>
+          </a:p>
+          <a:p>
+            <a:pPr algn="ctr"/>
+            <a:r>
+              <a:rPr lang="en-PT" sz="5400" dirty="0">
+                <a:solidFill>
+                  <a:schemeClr val="accent1"/>
+                </a:solidFill>
+                <a:latin typeface="+mj-lt"/>
+                <a:ea typeface="+mj-ea"/>
+                <a:cs typeface="+mj-cs"/>
               </a:rPr>
-              <a:t>Import of data obtain via an API wrapper</a:t>
-            </a:r>
-          </a:p>
-          <a:p>
-            <a:endParaRPr lang="en-GB" dirty="0">
-              <a:solidFill>
-                <a:schemeClr val="accent1">
-                  <a:lumMod val="50000"/>
-                </a:schemeClr>
-              </a:solidFill>
-            </a:endParaRPr>
-          </a:p>
-          <a:p>
-            <a:pPr marL="285750" indent="-285750">
-              <a:buFont typeface="Arial" panose="020B0604020202020204" pitchFamily="34" charset="0"/>
-              <a:buChar char="•"/>
-            </a:pPr>
-            <a:r>
-              <a:rPr lang="en-GB" dirty="0">
-                <a:solidFill>
-                  <a:schemeClr val="accent1">
-                    <a:lumMod val="50000"/>
-                  </a:schemeClr>
-                </a:solidFill>
-              </a:rPr>
-              <a:t>Combined data of Patent Applications</a:t>
-            </a:r>
-          </a:p>
-          <a:p>
-            <a:pPr marL="285750" indent="-285750">
-              <a:buFont typeface="Arial" panose="020B0604020202020204" pitchFamily="34" charset="0"/>
-              <a:buChar char="•"/>
-            </a:pPr>
-            <a:endParaRPr lang="en-GB" dirty="0">
-              <a:solidFill>
-                <a:schemeClr val="accent1">
-                  <a:lumMod val="50000"/>
-                </a:schemeClr>
-              </a:solidFill>
-            </a:endParaRPr>
-          </a:p>
-          <a:p>
-            <a:pPr marL="285750" indent="-285750">
-              <a:buFont typeface="Arial" panose="020B0604020202020204" pitchFamily="34" charset="0"/>
-              <a:buChar char="•"/>
-            </a:pPr>
-            <a:r>
-              <a:rPr lang="en-GB" dirty="0">
-                <a:solidFill>
-                  <a:schemeClr val="accent1">
-                    <a:lumMod val="50000"/>
-                  </a:schemeClr>
-                </a:solidFill>
-              </a:rPr>
-              <a:t>Normalize Data</a:t>
-            </a:r>
-          </a:p>
-          <a:p>
-            <a:pPr marL="285750" indent="-285750">
-              <a:buFont typeface="Arial" panose="020B0604020202020204" pitchFamily="34" charset="0"/>
-              <a:buChar char="•"/>
-            </a:pPr>
-            <a:endParaRPr lang="en-GB" dirty="0">
-              <a:solidFill>
-                <a:schemeClr val="accent1">
-                  <a:lumMod val="50000"/>
-                </a:schemeClr>
-              </a:solidFill>
-            </a:endParaRPr>
-          </a:p>
-          <a:p>
-            <a:pPr marL="285750" indent="-285750">
-              <a:buFont typeface="Arial" panose="020B0604020202020204" pitchFamily="34" charset="0"/>
-              <a:buChar char="•"/>
-            </a:pPr>
-            <a:r>
-              <a:rPr lang="en-GB" dirty="0">
-                <a:solidFill>
-                  <a:schemeClr val="accent1">
-                    <a:lumMod val="50000"/>
-                  </a:schemeClr>
-                </a:solidFill>
-              </a:rPr>
-              <a:t>Application Indicator Formula for technology in the year 2014, for the countries in study</a:t>
-            </a:r>
-          </a:p>
-          <a:p>
-            <a:pPr marL="285750" indent="-285750">
-              <a:buFont typeface="Arial" panose="020B0604020202020204" pitchFamily="34" charset="0"/>
-              <a:buChar char="•"/>
-            </a:pPr>
-            <a:endParaRPr lang="en-GB" dirty="0">
-              <a:solidFill>
-                <a:schemeClr val="accent1">
-                  <a:lumMod val="50000"/>
-                </a:schemeClr>
-              </a:solidFill>
-            </a:endParaRPr>
+              <a:t>TIME </a:t>
+            </a:r>
           </a:p>
         </p:txBody>
       </p:sp>
     </p:spTree>
     <p:extLst>
       <p:ext uri="{BB962C8B-B14F-4D97-AF65-F5344CB8AC3E}">
-        <p14:creationId xmlns:p14="http://schemas.microsoft.com/office/powerpoint/2010/main" val="3858199085"/>
-      </p:ext>
-    </p:extLst>
-  </p:cSld>
-  <p:clrMapOvr>
-    <a:masterClrMapping/>
-  </p:clrMapOvr>
-</p:sld>
-</file>
-
-<file path=ppt/slides/slide6.xml><?xml version="1.0" encoding="utf-8"?>
-<p:sld xmlns:a="http://schemas.openxmlformats.org/drawingml/2006/main" xmlns:r="http://schemas.openxmlformats.org/officeDocument/2006/relationships" xmlns:p="http://schemas.openxmlformats.org/presentationml/2006/main">
-  <p:cSld>
-    <p:spTree>
-      <p:nvGrpSpPr>
-        <p:cNvPr id="1" name=""/>
-        <p:cNvGrpSpPr/>
-        <p:nvPr/>
-      </p:nvGrpSpPr>
-      <p:grpSpPr>
-        <a:xfrm>
-          <a:off x="0" y="0"/>
-          <a:ext cx="0" cy="0"/>
-          <a:chOff x="0" y="0"/>
-          <a:chExt cx="0" cy="0"/>
-        </a:xfrm>
-      </p:grpSpPr>
-      <p:sp>
-        <p:nvSpPr>
-          <p:cNvPr id="2" name="Title 1">
-            <a:extLst>
-              <a:ext uri="{FF2B5EF4-FFF2-40B4-BE49-F238E27FC236}">
-                <a16:creationId xmlns:a16="http://schemas.microsoft.com/office/drawing/2014/main" id="{3BEF93F7-D45B-68F7-4E28-0844B627DDA5}"/>
-              </a:ext>
-            </a:extLst>
-          </p:cNvPr>
-          <p:cNvSpPr>
-            <a:spLocks noGrp="1"/>
-          </p:cNvSpPr>
-          <p:nvPr>
-            <p:ph type="ctrTitle"/>
-          </p:nvPr>
-        </p:nvSpPr>
-        <p:spPr>
-          <a:xfrm>
-            <a:off x="1663599" y="344843"/>
-            <a:ext cx="7837589" cy="847114"/>
-          </a:xfrm>
-        </p:spPr>
-        <p:txBody>
-          <a:bodyPr>
-            <a:noAutofit/>
-          </a:bodyPr>
-          <a:lstStyle/>
-          <a:p>
-            <a:pPr algn="just"/>
-            <a:r>
-              <a:rPr lang="en-PT" sz="3200" dirty="0">
-                <a:solidFill>
-                  <a:schemeClr val="accent1">
-                    <a:lumMod val="50000"/>
-                  </a:schemeClr>
-                </a:solidFill>
-              </a:rPr>
-              <a:t>Project 2 - </a:t>
-            </a:r>
-            <a:r>
-              <a:rPr lang="en-GB" sz="3200" b="1" dirty="0">
-                <a:solidFill>
-                  <a:schemeClr val="accent1">
-                    <a:lumMod val="50000"/>
-                  </a:schemeClr>
-                </a:solidFill>
-              </a:rPr>
-              <a:t>Creating Database in MYSQL</a:t>
-            </a:r>
-            <a:endParaRPr lang="en-PT" sz="3200" dirty="0">
-              <a:solidFill>
-                <a:schemeClr val="accent1">
-                  <a:lumMod val="50000"/>
-                </a:schemeClr>
-              </a:solidFill>
-            </a:endParaRPr>
-          </a:p>
-        </p:txBody>
-      </p:sp>
-      <p:pic>
-        <p:nvPicPr>
-          <p:cNvPr id="4" name="Google Shape;109;p27">
-            <a:extLst>
-              <a:ext uri="{FF2B5EF4-FFF2-40B4-BE49-F238E27FC236}">
-                <a16:creationId xmlns:a16="http://schemas.microsoft.com/office/drawing/2014/main" id="{EA4D6600-5010-A9D9-EEA2-2672B776C650}"/>
-              </a:ext>
-            </a:extLst>
-          </p:cNvPr>
-          <p:cNvPicPr preferRelativeResize="0"/>
-          <p:nvPr/>
-        </p:nvPicPr>
-        <p:blipFill>
-          <a:blip r:embed="rId3">
-            <a:alphaModFix/>
-          </a:blip>
-          <a:stretch>
-            <a:fillRect/>
-          </a:stretch>
-        </p:blipFill>
-        <p:spPr>
-          <a:xfrm>
-            <a:off x="0" y="-63399"/>
-            <a:ext cx="1663599" cy="1663599"/>
-          </a:xfrm>
-          <a:prstGeom prst="rect">
-            <a:avLst/>
-          </a:prstGeom>
-          <a:noFill/>
-          <a:ln>
-            <a:noFill/>
-          </a:ln>
-        </p:spPr>
-      </p:pic>
-      <p:sp>
-        <p:nvSpPr>
-          <p:cNvPr id="6" name="Title 1">
-            <a:extLst>
-              <a:ext uri="{FF2B5EF4-FFF2-40B4-BE49-F238E27FC236}">
-                <a16:creationId xmlns:a16="http://schemas.microsoft.com/office/drawing/2014/main" id="{FC15AF38-D0D0-8EFE-95B4-3F7B5E18BE9F}"/>
-              </a:ext>
-            </a:extLst>
-          </p:cNvPr>
-          <p:cNvSpPr txBox="1">
-            <a:spLocks/>
-          </p:cNvSpPr>
-          <p:nvPr/>
-        </p:nvSpPr>
-        <p:spPr>
-          <a:xfrm>
-            <a:off x="831798" y="1367449"/>
-            <a:ext cx="5492801" cy="640993"/>
-          </a:xfrm>
-          <a:prstGeom prst="rect">
-            <a:avLst/>
-          </a:prstGeom>
-        </p:spPr>
-        <p:txBody>
-          <a:bodyPr vert="horz" lIns="91440" tIns="45720" rIns="91440" bIns="45720" rtlCol="0" anchor="b">
-            <a:normAutofit fontScale="97500"/>
-          </a:bodyPr>
-          <a:lstStyle>
-            <a:lvl1pPr algn="r" defTabSz="457200" rtl="0" eaLnBrk="1" latinLnBrk="0" hangingPunct="1">
-              <a:spcBef>
-                <a:spcPct val="0"/>
-              </a:spcBef>
-              <a:buNone/>
-              <a:defRPr sz="5400" kern="1200">
-                <a:solidFill>
-                  <a:schemeClr val="accent1"/>
-                </a:solidFill>
-                <a:latin typeface="+mj-lt"/>
-                <a:ea typeface="+mj-ea"/>
-                <a:cs typeface="+mj-cs"/>
-              </a:defRPr>
-            </a:lvl1pPr>
-            <a:lvl2pPr eaLnBrk="1" hangingPunct="1">
-              <a:defRPr>
-                <a:solidFill>
-                  <a:schemeClr val="tx2"/>
-                </a:solidFill>
-              </a:defRPr>
-            </a:lvl2pPr>
-            <a:lvl3pPr eaLnBrk="1" hangingPunct="1">
-              <a:defRPr>
-                <a:solidFill>
-                  <a:schemeClr val="tx2"/>
-                </a:solidFill>
-              </a:defRPr>
-            </a:lvl3pPr>
-            <a:lvl4pPr eaLnBrk="1" hangingPunct="1">
-              <a:defRPr>
-                <a:solidFill>
-                  <a:schemeClr val="tx2"/>
-                </a:solidFill>
-              </a:defRPr>
-            </a:lvl4pPr>
-            <a:lvl5pPr eaLnBrk="1" hangingPunct="1">
-              <a:defRPr>
-                <a:solidFill>
-                  <a:schemeClr val="tx2"/>
-                </a:solidFill>
-              </a:defRPr>
-            </a:lvl5pPr>
-            <a:lvl6pPr eaLnBrk="1" hangingPunct="1">
-              <a:defRPr>
-                <a:solidFill>
-                  <a:schemeClr val="tx2"/>
-                </a:solidFill>
-              </a:defRPr>
-            </a:lvl6pPr>
-            <a:lvl7pPr eaLnBrk="1" hangingPunct="1">
-              <a:defRPr>
-                <a:solidFill>
-                  <a:schemeClr val="tx2"/>
-                </a:solidFill>
-              </a:defRPr>
-            </a:lvl7pPr>
-            <a:lvl8pPr eaLnBrk="1" hangingPunct="1">
-              <a:defRPr>
-                <a:solidFill>
-                  <a:schemeClr val="tx2"/>
-                </a:solidFill>
-              </a:defRPr>
-            </a:lvl8pPr>
-            <a:lvl9pPr eaLnBrk="1" hangingPunct="1">
-              <a:defRPr>
-                <a:solidFill>
-                  <a:schemeClr val="tx2"/>
-                </a:solidFill>
-              </a:defRPr>
-            </a:lvl9pPr>
-          </a:lstStyle>
-          <a:p>
-            <a:pPr algn="just"/>
-            <a:r>
-              <a:rPr lang="en-PT" sz="3600" dirty="0">
-                <a:solidFill>
-                  <a:schemeClr val="accent1">
-                    <a:lumMod val="50000"/>
-                  </a:schemeClr>
-                </a:solidFill>
-              </a:rPr>
-              <a:t>Result</a:t>
-            </a:r>
-          </a:p>
-        </p:txBody>
-      </p:sp>
-      <p:sp>
-        <p:nvSpPr>
-          <p:cNvPr id="7" name="TextBox 6">
-            <a:extLst>
-              <a:ext uri="{FF2B5EF4-FFF2-40B4-BE49-F238E27FC236}">
-                <a16:creationId xmlns:a16="http://schemas.microsoft.com/office/drawing/2014/main" id="{91CEC082-F482-91B6-E757-D849C0225358}"/>
-              </a:ext>
-            </a:extLst>
-          </p:cNvPr>
-          <p:cNvSpPr txBox="1"/>
-          <p:nvPr/>
-        </p:nvSpPr>
-        <p:spPr>
-          <a:xfrm>
-            <a:off x="567267" y="2183935"/>
-            <a:ext cx="9279466" cy="369332"/>
-          </a:xfrm>
-          <a:prstGeom prst="rect">
-            <a:avLst/>
-          </a:prstGeom>
-          <a:noFill/>
-        </p:spPr>
-        <p:txBody>
-          <a:bodyPr wrap="square" rtlCol="0">
-            <a:spAutoFit/>
-          </a:bodyPr>
-          <a:lstStyle/>
-          <a:p>
-            <a:pPr marL="285750" indent="-285750">
-              <a:buFont typeface="Arial" panose="020B0604020202020204" pitchFamily="34" charset="0"/>
-              <a:buChar char="•"/>
-            </a:pPr>
-            <a:r>
-              <a:rPr lang="en-GB" dirty="0">
-                <a:solidFill>
-                  <a:schemeClr val="accent1">
-                    <a:lumMod val="50000"/>
-                  </a:schemeClr>
-                </a:solidFill>
-              </a:rPr>
-              <a:t>Indicator formula = 0.5 X Pattern + 2 X R&amp;D + Technical Journal + High Technology</a:t>
-            </a:r>
-          </a:p>
-        </p:txBody>
-      </p:sp>
-      <p:graphicFrame>
-        <p:nvGraphicFramePr>
-          <p:cNvPr id="8" name="Chart 7">
-            <a:extLst>
-              <a:ext uri="{FF2B5EF4-FFF2-40B4-BE49-F238E27FC236}">
-                <a16:creationId xmlns:a16="http://schemas.microsoft.com/office/drawing/2014/main" id="{D105014D-12BA-49E6-6658-C715825F7190}"/>
-              </a:ext>
-            </a:extLst>
-          </p:cNvPr>
-          <p:cNvGraphicFramePr>
-            <a:graphicFrameLocks/>
-          </p:cNvGraphicFramePr>
-          <p:nvPr>
-            <p:extLst>
-              <p:ext uri="{D42A27DB-BD31-4B8C-83A1-F6EECF244321}">
-                <p14:modId xmlns:p14="http://schemas.microsoft.com/office/powerpoint/2010/main" val="3307315112"/>
-              </p:ext>
-            </p:extLst>
-          </p:nvPr>
-        </p:nvGraphicFramePr>
-        <p:xfrm>
-          <a:off x="1497541" y="2728760"/>
-          <a:ext cx="5351991" cy="2490131"/>
-        </p:xfrm>
-        <a:graphic>
-          <a:graphicData uri="http://schemas.openxmlformats.org/drawingml/2006/chart">
-            <c:chart xmlns:c="http://schemas.openxmlformats.org/drawingml/2006/chart" xmlns:r="http://schemas.openxmlformats.org/officeDocument/2006/relationships" r:id="rId4"/>
-          </a:graphicData>
-        </a:graphic>
-      </p:graphicFrame>
-      <p:sp>
-        <p:nvSpPr>
-          <p:cNvPr id="9" name="TextBox 8">
-            <a:extLst>
-              <a:ext uri="{FF2B5EF4-FFF2-40B4-BE49-F238E27FC236}">
-                <a16:creationId xmlns:a16="http://schemas.microsoft.com/office/drawing/2014/main" id="{F6F5443D-7076-830F-E40A-E9B59AF986ED}"/>
-              </a:ext>
-            </a:extLst>
-          </p:cNvPr>
-          <p:cNvSpPr txBox="1"/>
-          <p:nvPr/>
-        </p:nvSpPr>
-        <p:spPr>
-          <a:xfrm>
-            <a:off x="457200" y="5655268"/>
-            <a:ext cx="9279466" cy="646331"/>
-          </a:xfrm>
-          <a:prstGeom prst="rect">
-            <a:avLst/>
-          </a:prstGeom>
-          <a:noFill/>
-        </p:spPr>
-        <p:txBody>
-          <a:bodyPr wrap="square" rtlCol="0">
-            <a:spAutoFit/>
-          </a:bodyPr>
-          <a:lstStyle/>
-          <a:p>
-            <a:pPr marL="285750" indent="-285750">
-              <a:buFont typeface="Arial" panose="020B0604020202020204" pitchFamily="34" charset="0"/>
-              <a:buChar char="•"/>
-            </a:pPr>
-            <a:r>
-              <a:rPr lang="en-GB" dirty="0">
-                <a:solidFill>
-                  <a:schemeClr val="accent1">
-                    <a:lumMod val="50000"/>
-                  </a:schemeClr>
-                </a:solidFill>
-              </a:rPr>
-              <a:t>From the 10 countries, the top 3 are USA, ISR and JPN for the year 2014. </a:t>
-            </a:r>
-          </a:p>
-          <a:p>
-            <a:pPr marL="285750" indent="-285750">
-              <a:buFont typeface="Arial" panose="020B0604020202020204" pitchFamily="34" charset="0"/>
-              <a:buChar char="•"/>
-            </a:pPr>
-            <a:r>
-              <a:rPr lang="en-GB" dirty="0">
-                <a:solidFill>
-                  <a:schemeClr val="accent1">
-                    <a:lumMod val="50000"/>
-                  </a:schemeClr>
-                </a:solidFill>
-              </a:rPr>
-              <a:t>The worse counties are HRV, ESP and ITA</a:t>
-            </a:r>
-          </a:p>
-        </p:txBody>
-      </p:sp>
-    </p:spTree>
-    <p:extLst>
-      <p:ext uri="{BB962C8B-B14F-4D97-AF65-F5344CB8AC3E}">
-        <p14:creationId xmlns:p14="http://schemas.microsoft.com/office/powerpoint/2010/main" val="2426769791"/>
-      </p:ext>
-    </p:extLst>
-  </p:cSld>
-  <p:clrMapOvr>
-    <a:masterClrMapping/>
-  </p:clrMapOvr>
-</p:sld>
-</file>
-
-<file path=ppt/slides/slide7.xml><?xml version="1.0" encoding="utf-8"?>
-<p:sld xmlns:a="http://schemas.openxmlformats.org/drawingml/2006/main" xmlns:r="http://schemas.openxmlformats.org/officeDocument/2006/relationships" xmlns:p="http://schemas.openxmlformats.org/presentationml/2006/main">
-  <p:cSld>
-    <p:spTree>
-      <p:nvGrpSpPr>
-        <p:cNvPr id="1" name=""/>
-        <p:cNvGrpSpPr/>
-        <p:nvPr/>
-      </p:nvGrpSpPr>
-      <p:grpSpPr>
-        <a:xfrm>
-          <a:off x="0" y="0"/>
-          <a:ext cx="0" cy="0"/>
-          <a:chOff x="0" y="0"/>
-          <a:chExt cx="0" cy="0"/>
-        </a:xfrm>
-      </p:grpSpPr>
-      <p:sp>
-        <p:nvSpPr>
-          <p:cNvPr id="2" name="Title 1">
-            <a:extLst>
-              <a:ext uri="{FF2B5EF4-FFF2-40B4-BE49-F238E27FC236}">
-                <a16:creationId xmlns:a16="http://schemas.microsoft.com/office/drawing/2014/main" id="{3BEF93F7-D45B-68F7-4E28-0844B627DDA5}"/>
-              </a:ext>
-            </a:extLst>
-          </p:cNvPr>
-          <p:cNvSpPr>
-            <a:spLocks noGrp="1"/>
-          </p:cNvSpPr>
-          <p:nvPr>
-            <p:ph type="ctrTitle"/>
-          </p:nvPr>
-        </p:nvSpPr>
-        <p:spPr>
-          <a:xfrm>
-            <a:off x="1663599" y="344843"/>
-            <a:ext cx="7837589" cy="847114"/>
-          </a:xfrm>
-        </p:spPr>
-        <p:txBody>
-          <a:bodyPr>
-            <a:noAutofit/>
-          </a:bodyPr>
-          <a:lstStyle/>
-          <a:p>
-            <a:pPr algn="just"/>
-            <a:r>
-              <a:rPr lang="en-PT" sz="3200" dirty="0">
-                <a:solidFill>
-                  <a:schemeClr val="accent1">
-                    <a:lumMod val="50000"/>
-                  </a:schemeClr>
-                </a:solidFill>
-              </a:rPr>
-              <a:t>Project 2 - </a:t>
-            </a:r>
-            <a:r>
-              <a:rPr lang="en-GB" sz="3200" b="1" dirty="0">
-                <a:solidFill>
-                  <a:schemeClr val="accent1">
-                    <a:lumMod val="50000"/>
-                  </a:schemeClr>
-                </a:solidFill>
-              </a:rPr>
-              <a:t>Creating Database in MYSQL</a:t>
-            </a:r>
-            <a:endParaRPr lang="en-PT" sz="3200" dirty="0">
-              <a:solidFill>
-                <a:schemeClr val="accent1">
-                  <a:lumMod val="50000"/>
-                </a:schemeClr>
-              </a:solidFill>
-            </a:endParaRPr>
-          </a:p>
-        </p:txBody>
-      </p:sp>
-      <p:pic>
-        <p:nvPicPr>
-          <p:cNvPr id="4" name="Google Shape;109;p27">
-            <a:extLst>
-              <a:ext uri="{FF2B5EF4-FFF2-40B4-BE49-F238E27FC236}">
-                <a16:creationId xmlns:a16="http://schemas.microsoft.com/office/drawing/2014/main" id="{EA4D6600-5010-A9D9-EEA2-2672B776C650}"/>
-              </a:ext>
-            </a:extLst>
-          </p:cNvPr>
-          <p:cNvPicPr preferRelativeResize="0"/>
-          <p:nvPr/>
-        </p:nvPicPr>
-        <p:blipFill>
-          <a:blip r:embed="rId3">
-            <a:alphaModFix/>
-          </a:blip>
-          <a:stretch>
-            <a:fillRect/>
-          </a:stretch>
-        </p:blipFill>
-        <p:spPr>
-          <a:xfrm>
-            <a:off x="0" y="-63399"/>
-            <a:ext cx="1663599" cy="1663599"/>
-          </a:xfrm>
-          <a:prstGeom prst="rect">
-            <a:avLst/>
-          </a:prstGeom>
-          <a:noFill/>
-          <a:ln>
-            <a:noFill/>
-          </a:ln>
-        </p:spPr>
-      </p:pic>
-      <p:sp>
-        <p:nvSpPr>
-          <p:cNvPr id="6" name="Title 1">
-            <a:extLst>
-              <a:ext uri="{FF2B5EF4-FFF2-40B4-BE49-F238E27FC236}">
-                <a16:creationId xmlns:a16="http://schemas.microsoft.com/office/drawing/2014/main" id="{FC15AF38-D0D0-8EFE-95B4-3F7B5E18BE9F}"/>
-              </a:ext>
-            </a:extLst>
-          </p:cNvPr>
-          <p:cNvSpPr txBox="1">
-            <a:spLocks/>
-          </p:cNvSpPr>
-          <p:nvPr/>
-        </p:nvSpPr>
-        <p:spPr>
-          <a:xfrm>
-            <a:off x="831798" y="1367449"/>
-            <a:ext cx="5492801" cy="640993"/>
-          </a:xfrm>
-          <a:prstGeom prst="rect">
-            <a:avLst/>
-          </a:prstGeom>
-        </p:spPr>
-        <p:txBody>
-          <a:bodyPr vert="horz" lIns="91440" tIns="45720" rIns="91440" bIns="45720" rtlCol="0" anchor="b">
-            <a:normAutofit fontScale="97500"/>
-          </a:bodyPr>
-          <a:lstStyle>
-            <a:lvl1pPr algn="r" defTabSz="457200" rtl="0" eaLnBrk="1" latinLnBrk="0" hangingPunct="1">
-              <a:spcBef>
-                <a:spcPct val="0"/>
-              </a:spcBef>
-              <a:buNone/>
-              <a:defRPr sz="5400" kern="1200">
-                <a:solidFill>
-                  <a:schemeClr val="accent1"/>
-                </a:solidFill>
-                <a:latin typeface="+mj-lt"/>
-                <a:ea typeface="+mj-ea"/>
-                <a:cs typeface="+mj-cs"/>
-              </a:defRPr>
-            </a:lvl1pPr>
-            <a:lvl2pPr eaLnBrk="1" hangingPunct="1">
-              <a:defRPr>
-                <a:solidFill>
-                  <a:schemeClr val="tx2"/>
-                </a:solidFill>
-              </a:defRPr>
-            </a:lvl2pPr>
-            <a:lvl3pPr eaLnBrk="1" hangingPunct="1">
-              <a:defRPr>
-                <a:solidFill>
-                  <a:schemeClr val="tx2"/>
-                </a:solidFill>
-              </a:defRPr>
-            </a:lvl3pPr>
-            <a:lvl4pPr eaLnBrk="1" hangingPunct="1">
-              <a:defRPr>
-                <a:solidFill>
-                  <a:schemeClr val="tx2"/>
-                </a:solidFill>
-              </a:defRPr>
-            </a:lvl4pPr>
-            <a:lvl5pPr eaLnBrk="1" hangingPunct="1">
-              <a:defRPr>
-                <a:solidFill>
-                  <a:schemeClr val="tx2"/>
-                </a:solidFill>
-              </a:defRPr>
-            </a:lvl5pPr>
-            <a:lvl6pPr eaLnBrk="1" hangingPunct="1">
-              <a:defRPr>
-                <a:solidFill>
-                  <a:schemeClr val="tx2"/>
-                </a:solidFill>
-              </a:defRPr>
-            </a:lvl6pPr>
-            <a:lvl7pPr eaLnBrk="1" hangingPunct="1">
-              <a:defRPr>
-                <a:solidFill>
-                  <a:schemeClr val="tx2"/>
-                </a:solidFill>
-              </a:defRPr>
-            </a:lvl7pPr>
-            <a:lvl8pPr eaLnBrk="1" hangingPunct="1">
-              <a:defRPr>
-                <a:solidFill>
-                  <a:schemeClr val="tx2"/>
-                </a:solidFill>
-              </a:defRPr>
-            </a:lvl8pPr>
-            <a:lvl9pPr eaLnBrk="1" hangingPunct="1">
-              <a:defRPr>
-                <a:solidFill>
-                  <a:schemeClr val="tx2"/>
-                </a:solidFill>
-              </a:defRPr>
-            </a:lvl9pPr>
-          </a:lstStyle>
-          <a:p>
-            <a:pPr algn="just"/>
-            <a:r>
-              <a:rPr lang="en-PT" sz="3600" dirty="0">
-                <a:solidFill>
-                  <a:schemeClr val="accent1">
-                    <a:lumMod val="50000"/>
-                  </a:schemeClr>
-                </a:solidFill>
-              </a:rPr>
-              <a:t>Demo</a:t>
-            </a:r>
-          </a:p>
-        </p:txBody>
-      </p:sp>
-      <p:pic>
-        <p:nvPicPr>
-          <p:cNvPr id="5" name="Picture 4">
-            <a:extLst>
-              <a:ext uri="{FF2B5EF4-FFF2-40B4-BE49-F238E27FC236}">
-                <a16:creationId xmlns:a16="http://schemas.microsoft.com/office/drawing/2014/main" id="{0F7476D8-7913-091B-0C2E-176AF051E24E}"/>
-              </a:ext>
-            </a:extLst>
-          </p:cNvPr>
-          <p:cNvPicPr>
-            <a:picLocks noChangeAspect="1"/>
-          </p:cNvPicPr>
-          <p:nvPr/>
-        </p:nvPicPr>
-        <p:blipFill>
-          <a:blip r:embed="rId4"/>
-          <a:stretch>
-            <a:fillRect/>
-          </a:stretch>
-        </p:blipFill>
-        <p:spPr>
-          <a:xfrm>
-            <a:off x="831798" y="1924050"/>
-            <a:ext cx="9004300" cy="4787900"/>
-          </a:xfrm>
-          <a:prstGeom prst="rect">
-            <a:avLst/>
-          </a:prstGeom>
-        </p:spPr>
-      </p:pic>
-    </p:spTree>
-    <p:extLst>
-      <p:ext uri="{BB962C8B-B14F-4D97-AF65-F5344CB8AC3E}">
-        <p14:creationId xmlns:p14="http://schemas.microsoft.com/office/powerpoint/2010/main" val="690251505"/>
+        <p14:creationId xmlns:p14="http://schemas.microsoft.com/office/powerpoint/2010/main" val="4115921934"/>
       </p:ext>
     </p:extLst>
   </p:cSld>
@@ -9836,288 +8985,43 @@
           </a:bodyPr>
           <a:lstStyle/>
           <a:p>
-            <a:r>
-              <a:rPr lang="en-PT" dirty="0"/>
-              <a:t>Project 1 - Game Hang Man</a:t>
-            </a:r>
-          </a:p>
-        </p:txBody>
-      </p:sp>
-      <p:pic>
-        <p:nvPicPr>
-          <p:cNvPr id="4" name="Google Shape;109;p27">
-            <a:extLst>
-              <a:ext uri="{FF2B5EF4-FFF2-40B4-BE49-F238E27FC236}">
-                <a16:creationId xmlns:a16="http://schemas.microsoft.com/office/drawing/2014/main" id="{EA4D6600-5010-A9D9-EEA2-2672B776C650}"/>
-              </a:ext>
-            </a:extLst>
-          </p:cNvPr>
-          <p:cNvPicPr preferRelativeResize="0"/>
-          <p:nvPr/>
-        </p:nvPicPr>
-        <p:blipFill>
-          <a:blip r:embed="rId2">
-            <a:alphaModFix/>
-          </a:blip>
-          <a:stretch>
-            <a:fillRect/>
-          </a:stretch>
-        </p:blipFill>
-        <p:spPr>
-          <a:xfrm>
-            <a:off x="0" y="-63399"/>
-            <a:ext cx="1663599" cy="1663599"/>
-          </a:xfrm>
-          <a:prstGeom prst="rect">
-            <a:avLst/>
-          </a:prstGeom>
-          <a:noFill/>
-          <a:ln>
-            <a:noFill/>
-          </a:ln>
-        </p:spPr>
-      </p:pic>
-      <p:sp>
-        <p:nvSpPr>
-          <p:cNvPr id="7" name="Title 1">
-            <a:extLst>
-              <a:ext uri="{FF2B5EF4-FFF2-40B4-BE49-F238E27FC236}">
-                <a16:creationId xmlns:a16="http://schemas.microsoft.com/office/drawing/2014/main" id="{42463987-47E0-040E-3AE3-52551354130E}"/>
-              </a:ext>
-            </a:extLst>
-          </p:cNvPr>
-          <p:cNvSpPr txBox="1">
-            <a:spLocks/>
-          </p:cNvSpPr>
-          <p:nvPr/>
-        </p:nvSpPr>
-        <p:spPr>
-          <a:xfrm>
-            <a:off x="831799" y="1367449"/>
-            <a:ext cx="4497438" cy="640993"/>
-          </a:xfrm>
-          <a:prstGeom prst="rect">
-            <a:avLst/>
-          </a:prstGeom>
-        </p:spPr>
-        <p:txBody>
-          <a:bodyPr vert="horz" lIns="91440" tIns="45720" rIns="91440" bIns="45720" rtlCol="0" anchor="b">
-            <a:normAutofit fontScale="97500"/>
-          </a:bodyPr>
-          <a:lstStyle>
-            <a:lvl1pPr algn="r" defTabSz="457200" rtl="0" eaLnBrk="1" latinLnBrk="0" hangingPunct="1">
-              <a:spcBef>
-                <a:spcPct val="0"/>
-              </a:spcBef>
-              <a:buNone/>
-              <a:defRPr sz="5400" kern="1200">
-                <a:solidFill>
-                  <a:schemeClr val="accent1"/>
-                </a:solidFill>
-                <a:latin typeface="+mj-lt"/>
-                <a:ea typeface="+mj-ea"/>
-                <a:cs typeface="+mj-cs"/>
-              </a:defRPr>
-            </a:lvl1pPr>
-            <a:lvl2pPr eaLnBrk="1" hangingPunct="1">
-              <a:defRPr>
-                <a:solidFill>
-                  <a:schemeClr val="tx2"/>
-                </a:solidFill>
-              </a:defRPr>
-            </a:lvl2pPr>
-            <a:lvl3pPr eaLnBrk="1" hangingPunct="1">
-              <a:defRPr>
-                <a:solidFill>
-                  <a:schemeClr val="tx2"/>
-                </a:solidFill>
-              </a:defRPr>
-            </a:lvl3pPr>
-            <a:lvl4pPr eaLnBrk="1" hangingPunct="1">
-              <a:defRPr>
-                <a:solidFill>
-                  <a:schemeClr val="tx2"/>
-                </a:solidFill>
-              </a:defRPr>
-            </a:lvl4pPr>
-            <a:lvl5pPr eaLnBrk="1" hangingPunct="1">
-              <a:defRPr>
-                <a:solidFill>
-                  <a:schemeClr val="tx2"/>
-                </a:solidFill>
-              </a:defRPr>
-            </a:lvl5pPr>
-            <a:lvl6pPr eaLnBrk="1" hangingPunct="1">
-              <a:defRPr>
-                <a:solidFill>
-                  <a:schemeClr val="tx2"/>
-                </a:solidFill>
-              </a:defRPr>
-            </a:lvl6pPr>
-            <a:lvl7pPr eaLnBrk="1" hangingPunct="1">
-              <a:defRPr>
-                <a:solidFill>
-                  <a:schemeClr val="tx2"/>
-                </a:solidFill>
-              </a:defRPr>
-            </a:lvl7pPr>
-            <a:lvl8pPr eaLnBrk="1" hangingPunct="1">
-              <a:defRPr>
-                <a:solidFill>
-                  <a:schemeClr val="tx2"/>
-                </a:solidFill>
-              </a:defRPr>
-            </a:lvl8pPr>
-            <a:lvl9pPr eaLnBrk="1" hangingPunct="1">
-              <a:defRPr>
-                <a:solidFill>
-                  <a:schemeClr val="tx2"/>
-                </a:solidFill>
-              </a:defRPr>
-            </a:lvl9pPr>
-          </a:lstStyle>
-          <a:p>
             <a:pPr algn="l"/>
             <a:r>
-              <a:rPr lang="en-PT" sz="3600" dirty="0"/>
-              <a:t>Questions</a:t>
-            </a:r>
-          </a:p>
-        </p:txBody>
-      </p:sp>
-      <p:sp>
-        <p:nvSpPr>
-          <p:cNvPr id="9" name="TextBox 8">
-            <a:extLst>
-              <a:ext uri="{FF2B5EF4-FFF2-40B4-BE49-F238E27FC236}">
-                <a16:creationId xmlns:a16="http://schemas.microsoft.com/office/drawing/2014/main" id="{19A631F6-F8A1-03BF-C202-7DA05A6FA6AB}"/>
-              </a:ext>
-            </a:extLst>
-          </p:cNvPr>
-          <p:cNvSpPr txBox="1"/>
-          <p:nvPr/>
-        </p:nvSpPr>
-        <p:spPr>
-          <a:xfrm>
-            <a:off x="4517973" y="2379315"/>
-            <a:ext cx="2128839" cy="2585323"/>
-          </a:xfrm>
-          <a:prstGeom prst="rect">
-            <a:avLst/>
-          </a:prstGeom>
-          <a:noFill/>
-        </p:spPr>
-        <p:txBody>
-          <a:bodyPr wrap="square" rtlCol="0">
-            <a:spAutoFit/>
-          </a:bodyPr>
-          <a:lstStyle/>
-          <a:p>
-            <a:pPr algn="ctr"/>
-            <a:r>
+              <a:rPr lang="en-PT" sz="3600" dirty="0">
+                <a:solidFill>
+                  <a:schemeClr val="accent1">
+                    <a:lumMod val="50000"/>
+                  </a:schemeClr>
+                </a:solidFill>
+              </a:rPr>
+              <a:t>Project 3 – Data Clean </a:t>
+            </a:r>
+            <a:br>
               <a:rPr lang="en-PT" sz="5400" dirty="0">
                 <a:solidFill>
-                  <a:schemeClr val="accent1"/>
-                </a:solidFill>
-                <a:latin typeface="+mj-lt"/>
-                <a:ea typeface="+mj-ea"/>
-                <a:cs typeface="+mj-cs"/>
+                  <a:schemeClr val="accent1">
+                    <a:lumMod val="50000"/>
+                  </a:schemeClr>
+                </a:solidFill>
               </a:rPr>
-              <a:t>Q &amp; A</a:t>
-            </a:r>
-          </a:p>
-          <a:p>
-            <a:pPr algn="ctr"/>
-            <a:r>
-              <a:rPr lang="en-PT" sz="5400" dirty="0">
-                <a:solidFill>
-                  <a:schemeClr val="accent1"/>
-                </a:solidFill>
-                <a:latin typeface="+mj-lt"/>
-                <a:ea typeface="+mj-ea"/>
-                <a:cs typeface="+mj-cs"/>
+            </a:br>
+            <a:r>
+              <a:rPr lang="en-GB" sz="3600" dirty="0">
+                <a:solidFill>
+                  <a:schemeClr val="accent1">
+                    <a:lumMod val="50000"/>
+                  </a:schemeClr>
+                </a:solidFill>
               </a:rPr>
-              <a:t> </a:t>
-            </a:r>
-          </a:p>
-          <a:p>
-            <a:pPr algn="ctr"/>
-            <a:r>
-              <a:rPr lang="en-PT" sz="5400" dirty="0">
-                <a:solidFill>
-                  <a:schemeClr val="accent1"/>
-                </a:solidFill>
-                <a:latin typeface="+mj-lt"/>
-                <a:ea typeface="+mj-ea"/>
-                <a:cs typeface="+mj-cs"/>
-              </a:rPr>
-              <a:t>TIME </a:t>
-            </a:r>
-          </a:p>
-        </p:txBody>
-      </p:sp>
-    </p:spTree>
-    <p:extLst>
-      <p:ext uri="{BB962C8B-B14F-4D97-AF65-F5344CB8AC3E}">
-        <p14:creationId xmlns:p14="http://schemas.microsoft.com/office/powerpoint/2010/main" val="4115921934"/>
-      </p:ext>
-    </p:extLst>
-  </p:cSld>
-  <p:clrMapOvr>
-    <a:masterClrMapping/>
-  </p:clrMapOvr>
-</p:sld>
-</file>
-
-<file path=ppt/slides/slide9.xml><?xml version="1.0" encoding="utf-8"?>
-<p:sld xmlns:a="http://schemas.openxmlformats.org/drawingml/2006/main" xmlns:r="http://schemas.openxmlformats.org/officeDocument/2006/relationships" xmlns:p="http://schemas.openxmlformats.org/presentationml/2006/main">
-  <p:cSld>
-    <p:spTree>
-      <p:nvGrpSpPr>
-        <p:cNvPr id="1" name=""/>
-        <p:cNvGrpSpPr/>
-        <p:nvPr/>
-      </p:nvGrpSpPr>
-      <p:grpSpPr>
-        <a:xfrm>
-          <a:off x="0" y="0"/>
-          <a:ext cx="0" cy="0"/>
-          <a:chOff x="0" y="0"/>
-          <a:chExt cx="0" cy="0"/>
-        </a:xfrm>
-      </p:grpSpPr>
-      <p:sp>
-        <p:nvSpPr>
-          <p:cNvPr id="2" name="Title 1">
-            <a:extLst>
-              <a:ext uri="{FF2B5EF4-FFF2-40B4-BE49-F238E27FC236}">
-                <a16:creationId xmlns:a16="http://schemas.microsoft.com/office/drawing/2014/main" id="{3BEF93F7-D45B-68F7-4E28-0844B627DDA5}"/>
-              </a:ext>
-            </a:extLst>
-          </p:cNvPr>
-          <p:cNvSpPr>
-            <a:spLocks noGrp="1"/>
-          </p:cNvSpPr>
-          <p:nvPr>
-            <p:ph type="ctrTitle"/>
-          </p:nvPr>
-        </p:nvSpPr>
-        <p:spPr>
-          <a:xfrm>
-            <a:off x="1663599" y="344843"/>
-            <a:ext cx="7837589" cy="847114"/>
-          </a:xfrm>
-        </p:spPr>
-        <p:txBody>
-          <a:bodyPr>
-            <a:normAutofit fontScale="90000"/>
-          </a:bodyPr>
-          <a:lstStyle/>
-          <a:p>
-            <a:r>
-              <a:rPr lang="en-PT" dirty="0"/>
-              <a:t>Project 1 - Game Hang Man</a:t>
-            </a:r>
+              <a:t>Entrepreneurial competency</a:t>
+            </a:r>
+            <a:endParaRPr lang="en-PT" sz="3600" dirty="0">
+              <a:solidFill>
+                <a:schemeClr val="accent1">
+                  <a:lumMod val="50000"/>
+                </a:schemeClr>
+              </a:solidFill>
+            </a:endParaRPr>
           </a:p>
         </p:txBody>
       </p:sp>
